--- a/Discussions/Head Loss.pptx
+++ b/Discussions/Head Loss.pptx
@@ -5,42 +5,45 @@
     <p:sldMasterId id="2147483718" r:id="rId1"/>
   </p:sldMasterIdLst>
   <p:notesMasterIdLst>
-    <p:notesMasterId r:id="rId8"/>
+    <p:notesMasterId r:id="rId11"/>
   </p:notesMasterIdLst>
   <p:handoutMasterIdLst>
-    <p:handoutMasterId r:id="rId9"/>
+    <p:handoutMasterId r:id="rId12"/>
   </p:handoutMasterIdLst>
   <p:sldIdLst>
-    <p:sldId id="495" r:id="rId2"/>
-    <p:sldId id="360" r:id="rId3"/>
-    <p:sldId id="528" r:id="rId4"/>
-    <p:sldId id="529" r:id="rId5"/>
-    <p:sldId id="527" r:id="rId6"/>
-    <p:sldId id="530" r:id="rId7"/>
+    <p:sldId id="531" r:id="rId2"/>
+    <p:sldId id="532" r:id="rId3"/>
+    <p:sldId id="533" r:id="rId4"/>
+    <p:sldId id="495" r:id="rId5"/>
+    <p:sldId id="360" r:id="rId6"/>
+    <p:sldId id="528" r:id="rId7"/>
+    <p:sldId id="529" r:id="rId8"/>
+    <p:sldId id="527" r:id="rId9"/>
+    <p:sldId id="530" r:id="rId10"/>
   </p:sldIdLst>
   <p:sldSz cx="12192000" cy="6858000"/>
   <p:notesSz cx="7315200" cy="9601200"/>
   <p:embeddedFontLst>
     <p:embeddedFont>
       <p:font typeface="Calibri" panose="020F0502020204030204" pitchFamily="34" charset="0"/>
-      <p:regular r:id="rId10"/>
-      <p:bold r:id="rId11"/>
-      <p:italic r:id="rId12"/>
-      <p:boldItalic r:id="rId13"/>
+      <p:regular r:id="rId13"/>
+      <p:bold r:id="rId14"/>
+      <p:italic r:id="rId15"/>
+      <p:boldItalic r:id="rId16"/>
     </p:embeddedFont>
     <p:embeddedFont>
       <p:font typeface="Candara" panose="020E0502030303020204" pitchFamily="34" charset="0"/>
-      <p:regular r:id="rId14"/>
-      <p:bold r:id="rId15"/>
-      <p:italic r:id="rId16"/>
-      <p:boldItalic r:id="rId17"/>
+      <p:regular r:id="rId17"/>
+      <p:bold r:id="rId18"/>
+      <p:italic r:id="rId19"/>
+      <p:boldItalic r:id="rId20"/>
     </p:embeddedFont>
     <p:embeddedFont>
       <p:font typeface="Century Gothic" panose="020B0502020202020204" pitchFamily="34" charset="0"/>
-      <p:regular r:id="rId18"/>
-      <p:bold r:id="rId19"/>
-      <p:italic r:id="rId20"/>
-      <p:boldItalic r:id="rId21"/>
+      <p:regular r:id="rId21"/>
+      <p:bold r:id="rId22"/>
+      <p:italic r:id="rId23"/>
+      <p:boldItalic r:id="rId24"/>
     </p:embeddedFont>
   </p:embeddedFontLst>
   <p:defaultTextStyle>
@@ -894,6 +897,103 @@
       </p:grpSpPr>
       <p:sp>
         <p:nvSpPr>
+          <p:cNvPr id="2" name="Slide Image Placeholder 1"/>
+          <p:cNvSpPr>
+            <a:spLocks noGrp="1" noRot="1" noChangeAspect="1"/>
+          </p:cNvSpPr>
+          <p:nvPr>
+            <p:ph type="sldImg"/>
+          </p:nvPr>
+        </p:nvSpPr>
+        <p:spPr>
+          <a:xfrm>
+            <a:off x="457200" y="720725"/>
+            <a:ext cx="6400800" cy="3600450"/>
+          </a:xfrm>
+        </p:spPr>
+      </p:sp>
+      <p:sp>
+        <p:nvSpPr>
+          <p:cNvPr id="3" name="Notes Placeholder 2"/>
+          <p:cNvSpPr>
+            <a:spLocks noGrp="1"/>
+          </p:cNvSpPr>
+          <p:nvPr>
+            <p:ph type="body" idx="1"/>
+          </p:nvPr>
+        </p:nvSpPr>
+        <p:spPr/>
+        <p:txBody>
+          <a:bodyPr/>
+          <a:lstStyle/>
+          <a:p>
+            <a:r>
+              <a:rPr lang="en-US" dirty="0" err="1"/>
+              <a:t>Featurescript</a:t>
+            </a:r>
+            <a:r>
+              <a:rPr lang="en-US" dirty="0"/>
+              <a:t> equations for pipe flow will help here!</a:t>
+            </a:r>
+          </a:p>
+        </p:txBody>
+      </p:sp>
+      <p:sp>
+        <p:nvSpPr>
+          <p:cNvPr id="4" name="Slide Number Placeholder 3"/>
+          <p:cNvSpPr>
+            <a:spLocks noGrp="1"/>
+          </p:cNvSpPr>
+          <p:nvPr>
+            <p:ph type="sldNum" sz="quarter" idx="5"/>
+          </p:nvPr>
+        </p:nvSpPr>
+        <p:spPr/>
+        <p:txBody>
+          <a:bodyPr/>
+          <a:lstStyle/>
+          <a:p>
+            <a:fld id="{7913D7C8-1D10-4E5B-8A9B-B2BE7F2B7605}" type="slidenum">
+              <a:rPr lang="en-US" smtClean="0"/>
+              <a:pPr/>
+              <a:t>3</a:t>
+            </a:fld>
+            <a:endParaRPr lang="en-US"/>
+          </a:p>
+        </p:txBody>
+      </p:sp>
+    </p:spTree>
+    <p:extLst>
+      <p:ext uri="{BB962C8B-B14F-4D97-AF65-F5344CB8AC3E}">
+        <p14:creationId xmlns:p14="http://schemas.microsoft.com/office/powerpoint/2010/main" val="3177362544"/>
+      </p:ext>
+    </p:extLst>
+  </p:cSld>
+  <p:clrMapOvr>
+    <a:masterClrMapping/>
+  </p:clrMapOvr>
+</p:notes>
+</file>
+
+<file path=ppt/notesSlides/notesSlide2.xml><?xml version="1.0" encoding="utf-8"?>
+<p:notes xmlns:a="http://schemas.openxmlformats.org/drawingml/2006/main" xmlns:r="http://schemas.openxmlformats.org/officeDocument/2006/relationships" xmlns:p="http://schemas.openxmlformats.org/presentationml/2006/main">
+  <p:cSld>
+    <p:spTree>
+      <p:nvGrpSpPr>
+        <p:cNvPr id="1" name=""/>
+        <p:cNvGrpSpPr/>
+        <p:nvPr/>
+      </p:nvGrpSpPr>
+      <p:grpSpPr>
+        <a:xfrm>
+          <a:off x="0" y="0"/>
+          <a:ext cx="0" cy="0"/>
+          <a:chOff x="0" y="0"/>
+          <a:chExt cx="0" cy="0"/>
+        </a:xfrm>
+      </p:grpSpPr>
+      <p:sp>
+        <p:nvSpPr>
           <p:cNvPr id="7" name="Rectangle 7"/>
           <p:cNvSpPr>
             <a:spLocks noGrp="1" noChangeArrowheads="1"/>
@@ -912,7 +1012,7 @@
             <a:fld id="{F5A6E741-3498-406C-996F-BD426169E973}" type="slidenum">
               <a:rPr lang="en-US"/>
               <a:pPr/>
-              <a:t>1</a:t>
+              <a:t>4</a:t>
             </a:fld>
             <a:endParaRPr lang="en-US"/>
           </a:p>
@@ -968,7 +1068,7 @@
 </p:notes>
 </file>
 
-<file path=ppt/notesSlides/notesSlide2.xml><?xml version="1.0" encoding="utf-8"?>
+<file path=ppt/notesSlides/notesSlide3.xml><?xml version="1.0" encoding="utf-8"?>
 <p:notes xmlns:a="http://schemas.openxmlformats.org/drawingml/2006/main" xmlns:r="http://schemas.openxmlformats.org/officeDocument/2006/relationships" xmlns:p="http://schemas.openxmlformats.org/presentationml/2006/main">
   <p:cSld>
     <p:spTree>
@@ -1005,7 +1105,7 @@
             <a:fld id="{095099EF-FE16-4F89-A334-AC1F82364EA9}" type="slidenum">
               <a:rPr lang="en-US"/>
               <a:pPr/>
-              <a:t>2</a:t>
+              <a:t>5</a:t>
             </a:fld>
             <a:endParaRPr lang="en-US"/>
           </a:p>
@@ -1061,7 +1161,7 @@
 </p:notes>
 </file>
 
-<file path=ppt/notesSlides/notesSlide3.xml><?xml version="1.0" encoding="utf-8"?>
+<file path=ppt/notesSlides/notesSlide4.xml><?xml version="1.0" encoding="utf-8"?>
 <p:notes xmlns:a="http://schemas.openxmlformats.org/drawingml/2006/main" xmlns:r="http://schemas.openxmlformats.org/officeDocument/2006/relationships" xmlns:p="http://schemas.openxmlformats.org/presentationml/2006/main">
   <p:cSld>
     <p:spTree>
@@ -1153,7 +1253,7 @@
             <a:fld id="{7913D7C8-1D10-4E5B-8A9B-B2BE7F2B7605}" type="slidenum">
               <a:rPr lang="en-US" smtClean="0"/>
               <a:pPr/>
-              <a:t>4</a:t>
+              <a:t>7</a:t>
             </a:fld>
             <a:endParaRPr lang="en-US"/>
           </a:p>
@@ -2558,7 +2658,7 @@
           <a:p>
             <a:fld id="{216E0E02-55D8-4A62-964B-783B05293A72}" type="datetimeFigureOut">
               <a:rPr lang="es-HN" smtClean="0"/>
-              <a:t>11/1/2023</a:t>
+              <a:t>24/1/2023</a:t>
             </a:fld>
             <a:endParaRPr lang="es-HN"/>
           </a:p>
@@ -3421,6 +3521,981 @@
 </file>
 
 <file path=ppt/slides/slide1.xml><?xml version="1.0" encoding="utf-8"?>
+<p:sld xmlns:a="http://schemas.openxmlformats.org/drawingml/2006/main" xmlns:r="http://schemas.openxmlformats.org/officeDocument/2006/relationships" xmlns:p="http://schemas.openxmlformats.org/presentationml/2006/main">
+  <p:cSld>
+    <p:spTree>
+      <p:nvGrpSpPr>
+        <p:cNvPr id="1" name=""/>
+        <p:cNvGrpSpPr/>
+        <p:nvPr/>
+      </p:nvGrpSpPr>
+      <p:grpSpPr>
+        <a:xfrm>
+          <a:off x="0" y="0"/>
+          <a:ext cx="0" cy="0"/>
+          <a:chOff x="0" y="0"/>
+          <a:chExt cx="0" cy="0"/>
+        </a:xfrm>
+      </p:grpSpPr>
+      <p:sp>
+        <p:nvSpPr>
+          <p:cNvPr id="2" name="Title 1">
+            <a:extLst>
+              <a:ext uri="{FF2B5EF4-FFF2-40B4-BE49-F238E27FC236}">
+                <a16:creationId xmlns:a16="http://schemas.microsoft.com/office/drawing/2014/main" id="{E8187804-8C73-4FE1-A550-763995E3C2AA}"/>
+              </a:ext>
+            </a:extLst>
+          </p:cNvPr>
+          <p:cNvSpPr>
+            <a:spLocks noGrp="1"/>
+          </p:cNvSpPr>
+          <p:nvPr>
+            <p:ph type="title"/>
+          </p:nvPr>
+        </p:nvSpPr>
+        <p:spPr/>
+        <p:txBody>
+          <a:bodyPr/>
+          <a:lstStyle/>
+          <a:p>
+            <a:r>
+              <a:rPr lang="en-US" dirty="0"/>
+              <a:t>Student Questions</a:t>
+            </a:r>
+          </a:p>
+        </p:txBody>
+      </p:sp>
+      <p:sp>
+        <p:nvSpPr>
+          <p:cNvPr id="3" name="Content Placeholder 2">
+            <a:extLst>
+              <a:ext uri="{FF2B5EF4-FFF2-40B4-BE49-F238E27FC236}">
+                <a16:creationId xmlns:a16="http://schemas.microsoft.com/office/drawing/2014/main" id="{28D29EAA-3BDB-45BD-9DCB-BBCFE592BD9F}"/>
+              </a:ext>
+            </a:extLst>
+          </p:cNvPr>
+          <p:cNvSpPr>
+            <a:spLocks noGrp="1"/>
+          </p:cNvSpPr>
+          <p:nvPr>
+            <p:ph idx="1"/>
+          </p:nvPr>
+        </p:nvSpPr>
+        <p:spPr/>
+        <p:txBody>
+          <a:bodyPr/>
+          <a:lstStyle/>
+          <a:p>
+            <a:r>
+              <a:rPr lang="en-US" dirty="0"/>
+              <a:t>Does the BOM reflect updated costs?</a:t>
+            </a:r>
+          </a:p>
+          <a:p>
+            <a:r>
+              <a:rPr lang="en-US" dirty="0"/>
+              <a:t>What is the best method to learn </a:t>
+            </a:r>
+            <a:r>
+              <a:rPr lang="en-US" dirty="0" err="1"/>
+              <a:t>Onshape</a:t>
+            </a:r>
+            <a:r>
+              <a:rPr lang="en-US" dirty="0"/>
+              <a:t>?</a:t>
+            </a:r>
+          </a:p>
+          <a:p>
+            <a:r>
+              <a:rPr lang="en-US" dirty="0"/>
+              <a:t>What else can it be used for?</a:t>
+            </a:r>
+            <a:br>
+              <a:rPr lang="en-US" dirty="0"/>
+            </a:br>
+            <a:endParaRPr lang="en-US" dirty="0"/>
+          </a:p>
+          <a:p>
+            <a:endParaRPr lang="en-US" dirty="0"/>
+          </a:p>
+        </p:txBody>
+      </p:sp>
+    </p:spTree>
+    <p:extLst>
+      <p:ext uri="{BB962C8B-B14F-4D97-AF65-F5344CB8AC3E}">
+        <p14:creationId xmlns:p14="http://schemas.microsoft.com/office/powerpoint/2010/main" val="1192998806"/>
+      </p:ext>
+    </p:extLst>
+  </p:cSld>
+  <p:clrMapOvr>
+    <a:masterClrMapping/>
+  </p:clrMapOvr>
+  <p:transition>
+    <p:fade/>
+  </p:transition>
+  <p:timing>
+    <p:tnLst>
+      <p:par>
+        <p:cTn id="1" dur="indefinite" restart="never" nodeType="tmRoot">
+          <p:childTnLst>
+            <p:seq concurrent="1" nextAc="seek">
+              <p:cTn id="2" dur="indefinite" nodeType="mainSeq">
+                <p:childTnLst>
+                  <p:par>
+                    <p:cTn id="3" fill="hold">
+                      <p:stCondLst>
+                        <p:cond delay="indefinite"/>
+                      </p:stCondLst>
+                      <p:childTnLst>
+                        <p:par>
+                          <p:cTn id="4" fill="hold">
+                            <p:stCondLst>
+                              <p:cond delay="0"/>
+                            </p:stCondLst>
+                            <p:childTnLst>
+                              <p:par>
+                                <p:cTn id="5" presetID="1" presetClass="entr" presetSubtype="0" fill="hold" grpId="0" nodeType="clickEffect">
+                                  <p:stCondLst>
+                                    <p:cond delay="0"/>
+                                  </p:stCondLst>
+                                  <p:childTnLst>
+                                    <p:set>
+                                      <p:cBhvr>
+                                        <p:cTn id="6" dur="1" fill="hold">
+                                          <p:stCondLst>
+                                            <p:cond delay="0"/>
+                                          </p:stCondLst>
+                                        </p:cTn>
+                                        <p:tgtEl>
+                                          <p:spTgt spid="3">
+                                            <p:txEl>
+                                              <p:pRg st="0" end="0"/>
+                                            </p:txEl>
+                                          </p:spTgt>
+                                        </p:tgtEl>
+                                        <p:attrNameLst>
+                                          <p:attrName>style.visibility</p:attrName>
+                                        </p:attrNameLst>
+                                      </p:cBhvr>
+                                      <p:to>
+                                        <p:strVal val="visible"/>
+                                      </p:to>
+                                    </p:set>
+                                  </p:childTnLst>
+                                </p:cTn>
+                              </p:par>
+                            </p:childTnLst>
+                          </p:cTn>
+                        </p:par>
+                      </p:childTnLst>
+                    </p:cTn>
+                  </p:par>
+                  <p:par>
+                    <p:cTn id="7" fill="hold">
+                      <p:stCondLst>
+                        <p:cond delay="indefinite"/>
+                      </p:stCondLst>
+                      <p:childTnLst>
+                        <p:par>
+                          <p:cTn id="8" fill="hold">
+                            <p:stCondLst>
+                              <p:cond delay="0"/>
+                            </p:stCondLst>
+                            <p:childTnLst>
+                              <p:par>
+                                <p:cTn id="9" presetID="1" presetClass="entr" presetSubtype="0" fill="hold" grpId="0" nodeType="clickEffect">
+                                  <p:stCondLst>
+                                    <p:cond delay="0"/>
+                                  </p:stCondLst>
+                                  <p:childTnLst>
+                                    <p:set>
+                                      <p:cBhvr>
+                                        <p:cTn id="10" dur="1" fill="hold">
+                                          <p:stCondLst>
+                                            <p:cond delay="0"/>
+                                          </p:stCondLst>
+                                        </p:cTn>
+                                        <p:tgtEl>
+                                          <p:spTgt spid="3">
+                                            <p:txEl>
+                                              <p:pRg st="1" end="1"/>
+                                            </p:txEl>
+                                          </p:spTgt>
+                                        </p:tgtEl>
+                                        <p:attrNameLst>
+                                          <p:attrName>style.visibility</p:attrName>
+                                        </p:attrNameLst>
+                                      </p:cBhvr>
+                                      <p:to>
+                                        <p:strVal val="visible"/>
+                                      </p:to>
+                                    </p:set>
+                                  </p:childTnLst>
+                                </p:cTn>
+                              </p:par>
+                            </p:childTnLst>
+                          </p:cTn>
+                        </p:par>
+                      </p:childTnLst>
+                    </p:cTn>
+                  </p:par>
+                  <p:par>
+                    <p:cTn id="11" fill="hold">
+                      <p:stCondLst>
+                        <p:cond delay="indefinite"/>
+                      </p:stCondLst>
+                      <p:childTnLst>
+                        <p:par>
+                          <p:cTn id="12" fill="hold">
+                            <p:stCondLst>
+                              <p:cond delay="0"/>
+                            </p:stCondLst>
+                            <p:childTnLst>
+                              <p:par>
+                                <p:cTn id="13" presetID="1" presetClass="entr" presetSubtype="0" fill="hold" grpId="0" nodeType="clickEffect">
+                                  <p:stCondLst>
+                                    <p:cond delay="0"/>
+                                  </p:stCondLst>
+                                  <p:childTnLst>
+                                    <p:set>
+                                      <p:cBhvr>
+                                        <p:cTn id="14" dur="1" fill="hold">
+                                          <p:stCondLst>
+                                            <p:cond delay="0"/>
+                                          </p:stCondLst>
+                                        </p:cTn>
+                                        <p:tgtEl>
+                                          <p:spTgt spid="3">
+                                            <p:txEl>
+                                              <p:pRg st="2" end="2"/>
+                                            </p:txEl>
+                                          </p:spTgt>
+                                        </p:tgtEl>
+                                        <p:attrNameLst>
+                                          <p:attrName>style.visibility</p:attrName>
+                                        </p:attrNameLst>
+                                      </p:cBhvr>
+                                      <p:to>
+                                        <p:strVal val="visible"/>
+                                      </p:to>
+                                    </p:set>
+                                  </p:childTnLst>
+                                </p:cTn>
+                              </p:par>
+                            </p:childTnLst>
+                          </p:cTn>
+                        </p:par>
+                      </p:childTnLst>
+                    </p:cTn>
+                  </p:par>
+                </p:childTnLst>
+              </p:cTn>
+              <p:prevCondLst>
+                <p:cond evt="onPrev" delay="0">
+                  <p:tgtEl>
+                    <p:sldTgt/>
+                  </p:tgtEl>
+                </p:cond>
+              </p:prevCondLst>
+              <p:nextCondLst>
+                <p:cond evt="onNext" delay="0">
+                  <p:tgtEl>
+                    <p:sldTgt/>
+                  </p:tgtEl>
+                </p:cond>
+              </p:nextCondLst>
+            </p:seq>
+          </p:childTnLst>
+        </p:cTn>
+      </p:par>
+    </p:tnLst>
+    <p:bldLst>
+      <p:bldP spid="3" grpId="0" build="p"/>
+    </p:bldLst>
+  </p:timing>
+</p:sld>
+</file>
+
+<file path=ppt/slides/slide2.xml><?xml version="1.0" encoding="utf-8"?>
+<p:sld xmlns:a="http://schemas.openxmlformats.org/drawingml/2006/main" xmlns:r="http://schemas.openxmlformats.org/officeDocument/2006/relationships" xmlns:p="http://schemas.openxmlformats.org/presentationml/2006/main">
+  <p:cSld>
+    <p:spTree>
+      <p:nvGrpSpPr>
+        <p:cNvPr id="1" name=""/>
+        <p:cNvGrpSpPr/>
+        <p:nvPr/>
+      </p:nvGrpSpPr>
+      <p:grpSpPr>
+        <a:xfrm>
+          <a:off x="0" y="0"/>
+          <a:ext cx="0" cy="0"/>
+          <a:chOff x="0" y="0"/>
+          <a:chExt cx="0" cy="0"/>
+        </a:xfrm>
+      </p:grpSpPr>
+      <p:sp>
+        <p:nvSpPr>
+          <p:cNvPr id="2" name="Title 1">
+            <a:extLst>
+              <a:ext uri="{FF2B5EF4-FFF2-40B4-BE49-F238E27FC236}">
+                <a16:creationId xmlns:a16="http://schemas.microsoft.com/office/drawing/2014/main" id="{365ACAF3-CE39-4FE0-9E3C-B8DCF1B45108}"/>
+              </a:ext>
+            </a:extLst>
+          </p:cNvPr>
+          <p:cNvSpPr>
+            <a:spLocks noGrp="1"/>
+          </p:cNvSpPr>
+          <p:nvPr>
+            <p:ph type="title"/>
+          </p:nvPr>
+        </p:nvSpPr>
+        <p:spPr/>
+        <p:txBody>
+          <a:bodyPr/>
+          <a:lstStyle/>
+          <a:p>
+            <a:r>
+              <a:rPr lang="en-US" dirty="0"/>
+              <a:t>Fluids questions</a:t>
+            </a:r>
+          </a:p>
+        </p:txBody>
+      </p:sp>
+      <p:sp>
+        <p:nvSpPr>
+          <p:cNvPr id="3" name="Content Placeholder 2">
+            <a:extLst>
+              <a:ext uri="{FF2B5EF4-FFF2-40B4-BE49-F238E27FC236}">
+                <a16:creationId xmlns:a16="http://schemas.microsoft.com/office/drawing/2014/main" id="{5821BDF8-4A9F-45F8-86D9-E93A2AB1ACBF}"/>
+              </a:ext>
+            </a:extLst>
+          </p:cNvPr>
+          <p:cNvSpPr>
+            <a:spLocks noGrp="1"/>
+          </p:cNvSpPr>
+          <p:nvPr>
+            <p:ph idx="1"/>
+          </p:nvPr>
+        </p:nvSpPr>
+        <p:spPr/>
+        <p:txBody>
+          <a:bodyPr/>
+          <a:lstStyle/>
+          <a:p>
+            <a:r>
+              <a:rPr lang="en-US" dirty="0"/>
+              <a:t>Are the walls within the flocculator that ensure proper mixing and particle collision considered flow control devices? I am just confused on the what the definition of a flow control device is.</a:t>
+            </a:r>
+          </a:p>
+          <a:p>
+            <a:r>
+              <a:rPr lang="en-US" dirty="0"/>
+              <a:t>Why does lower pressure mean more drag?</a:t>
+            </a:r>
+          </a:p>
+          <a:p>
+            <a:r>
+              <a:rPr lang="en-US" dirty="0"/>
+              <a:t>How does the orifice equation change for a hole that is not a circle (square or triangle shape for example)? Or is it the same?</a:t>
+            </a:r>
+          </a:p>
+          <a:p>
+            <a:r>
+              <a:rPr lang="en-US" dirty="0"/>
+              <a:t>Are we going to have assignments where we have to use all of these fluid mechanics equations/When will we use these equations</a:t>
+            </a:r>
+            <a:br>
+              <a:rPr lang="en-US" dirty="0"/>
+            </a:br>
+            <a:endParaRPr lang="en-US" dirty="0"/>
+          </a:p>
+        </p:txBody>
+      </p:sp>
+    </p:spTree>
+    <p:extLst>
+      <p:ext uri="{BB962C8B-B14F-4D97-AF65-F5344CB8AC3E}">
+        <p14:creationId xmlns:p14="http://schemas.microsoft.com/office/powerpoint/2010/main" val="62533383"/>
+      </p:ext>
+    </p:extLst>
+  </p:cSld>
+  <p:clrMapOvr>
+    <a:masterClrMapping/>
+  </p:clrMapOvr>
+  <p:transition>
+    <p:fade/>
+  </p:transition>
+  <p:timing>
+    <p:tnLst>
+      <p:par>
+        <p:cTn id="1" dur="indefinite" restart="never" nodeType="tmRoot">
+          <p:childTnLst>
+            <p:seq concurrent="1" nextAc="seek">
+              <p:cTn id="2" dur="indefinite" nodeType="mainSeq">
+                <p:childTnLst>
+                  <p:par>
+                    <p:cTn id="3" fill="hold">
+                      <p:stCondLst>
+                        <p:cond delay="indefinite"/>
+                      </p:stCondLst>
+                      <p:childTnLst>
+                        <p:par>
+                          <p:cTn id="4" fill="hold">
+                            <p:stCondLst>
+                              <p:cond delay="0"/>
+                            </p:stCondLst>
+                            <p:childTnLst>
+                              <p:par>
+                                <p:cTn id="5" presetID="1" presetClass="entr" presetSubtype="0" fill="hold" grpId="0" nodeType="clickEffect">
+                                  <p:stCondLst>
+                                    <p:cond delay="0"/>
+                                  </p:stCondLst>
+                                  <p:childTnLst>
+                                    <p:set>
+                                      <p:cBhvr>
+                                        <p:cTn id="6" dur="1" fill="hold">
+                                          <p:stCondLst>
+                                            <p:cond delay="0"/>
+                                          </p:stCondLst>
+                                        </p:cTn>
+                                        <p:tgtEl>
+                                          <p:spTgt spid="3">
+                                            <p:txEl>
+                                              <p:pRg st="0" end="0"/>
+                                            </p:txEl>
+                                          </p:spTgt>
+                                        </p:tgtEl>
+                                        <p:attrNameLst>
+                                          <p:attrName>style.visibility</p:attrName>
+                                        </p:attrNameLst>
+                                      </p:cBhvr>
+                                      <p:to>
+                                        <p:strVal val="visible"/>
+                                      </p:to>
+                                    </p:set>
+                                  </p:childTnLst>
+                                </p:cTn>
+                              </p:par>
+                            </p:childTnLst>
+                          </p:cTn>
+                        </p:par>
+                      </p:childTnLst>
+                    </p:cTn>
+                  </p:par>
+                  <p:par>
+                    <p:cTn id="7" fill="hold">
+                      <p:stCondLst>
+                        <p:cond delay="indefinite"/>
+                      </p:stCondLst>
+                      <p:childTnLst>
+                        <p:par>
+                          <p:cTn id="8" fill="hold">
+                            <p:stCondLst>
+                              <p:cond delay="0"/>
+                            </p:stCondLst>
+                            <p:childTnLst>
+                              <p:par>
+                                <p:cTn id="9" presetID="1" presetClass="entr" presetSubtype="0" fill="hold" grpId="0" nodeType="clickEffect">
+                                  <p:stCondLst>
+                                    <p:cond delay="0"/>
+                                  </p:stCondLst>
+                                  <p:childTnLst>
+                                    <p:set>
+                                      <p:cBhvr>
+                                        <p:cTn id="10" dur="1" fill="hold">
+                                          <p:stCondLst>
+                                            <p:cond delay="0"/>
+                                          </p:stCondLst>
+                                        </p:cTn>
+                                        <p:tgtEl>
+                                          <p:spTgt spid="3">
+                                            <p:txEl>
+                                              <p:pRg st="1" end="1"/>
+                                            </p:txEl>
+                                          </p:spTgt>
+                                        </p:tgtEl>
+                                        <p:attrNameLst>
+                                          <p:attrName>style.visibility</p:attrName>
+                                        </p:attrNameLst>
+                                      </p:cBhvr>
+                                      <p:to>
+                                        <p:strVal val="visible"/>
+                                      </p:to>
+                                    </p:set>
+                                  </p:childTnLst>
+                                </p:cTn>
+                              </p:par>
+                            </p:childTnLst>
+                          </p:cTn>
+                        </p:par>
+                      </p:childTnLst>
+                    </p:cTn>
+                  </p:par>
+                  <p:par>
+                    <p:cTn id="11" fill="hold">
+                      <p:stCondLst>
+                        <p:cond delay="indefinite"/>
+                      </p:stCondLst>
+                      <p:childTnLst>
+                        <p:par>
+                          <p:cTn id="12" fill="hold">
+                            <p:stCondLst>
+                              <p:cond delay="0"/>
+                            </p:stCondLst>
+                            <p:childTnLst>
+                              <p:par>
+                                <p:cTn id="13" presetID="1" presetClass="entr" presetSubtype="0" fill="hold" grpId="0" nodeType="clickEffect">
+                                  <p:stCondLst>
+                                    <p:cond delay="0"/>
+                                  </p:stCondLst>
+                                  <p:childTnLst>
+                                    <p:set>
+                                      <p:cBhvr>
+                                        <p:cTn id="14" dur="1" fill="hold">
+                                          <p:stCondLst>
+                                            <p:cond delay="0"/>
+                                          </p:stCondLst>
+                                        </p:cTn>
+                                        <p:tgtEl>
+                                          <p:spTgt spid="3">
+                                            <p:txEl>
+                                              <p:pRg st="2" end="2"/>
+                                            </p:txEl>
+                                          </p:spTgt>
+                                        </p:tgtEl>
+                                        <p:attrNameLst>
+                                          <p:attrName>style.visibility</p:attrName>
+                                        </p:attrNameLst>
+                                      </p:cBhvr>
+                                      <p:to>
+                                        <p:strVal val="visible"/>
+                                      </p:to>
+                                    </p:set>
+                                  </p:childTnLst>
+                                </p:cTn>
+                              </p:par>
+                            </p:childTnLst>
+                          </p:cTn>
+                        </p:par>
+                      </p:childTnLst>
+                    </p:cTn>
+                  </p:par>
+                  <p:par>
+                    <p:cTn id="15" fill="hold">
+                      <p:stCondLst>
+                        <p:cond delay="indefinite"/>
+                      </p:stCondLst>
+                      <p:childTnLst>
+                        <p:par>
+                          <p:cTn id="16" fill="hold">
+                            <p:stCondLst>
+                              <p:cond delay="0"/>
+                            </p:stCondLst>
+                            <p:childTnLst>
+                              <p:par>
+                                <p:cTn id="17" presetID="1" presetClass="entr" presetSubtype="0" fill="hold" grpId="0" nodeType="clickEffect">
+                                  <p:stCondLst>
+                                    <p:cond delay="0"/>
+                                  </p:stCondLst>
+                                  <p:childTnLst>
+                                    <p:set>
+                                      <p:cBhvr>
+                                        <p:cTn id="18" dur="1" fill="hold">
+                                          <p:stCondLst>
+                                            <p:cond delay="0"/>
+                                          </p:stCondLst>
+                                        </p:cTn>
+                                        <p:tgtEl>
+                                          <p:spTgt spid="3">
+                                            <p:txEl>
+                                              <p:pRg st="3" end="3"/>
+                                            </p:txEl>
+                                          </p:spTgt>
+                                        </p:tgtEl>
+                                        <p:attrNameLst>
+                                          <p:attrName>style.visibility</p:attrName>
+                                        </p:attrNameLst>
+                                      </p:cBhvr>
+                                      <p:to>
+                                        <p:strVal val="visible"/>
+                                      </p:to>
+                                    </p:set>
+                                  </p:childTnLst>
+                                </p:cTn>
+                              </p:par>
+                            </p:childTnLst>
+                          </p:cTn>
+                        </p:par>
+                      </p:childTnLst>
+                    </p:cTn>
+                  </p:par>
+                </p:childTnLst>
+              </p:cTn>
+              <p:prevCondLst>
+                <p:cond evt="onPrev" delay="0">
+                  <p:tgtEl>
+                    <p:sldTgt/>
+                  </p:tgtEl>
+                </p:cond>
+              </p:prevCondLst>
+              <p:nextCondLst>
+                <p:cond evt="onNext" delay="0">
+                  <p:tgtEl>
+                    <p:sldTgt/>
+                  </p:tgtEl>
+                </p:cond>
+              </p:nextCondLst>
+            </p:seq>
+          </p:childTnLst>
+        </p:cTn>
+      </p:par>
+    </p:tnLst>
+    <p:bldLst>
+      <p:bldP spid="3" grpId="0" build="p"/>
+    </p:bldLst>
+  </p:timing>
+</p:sld>
+</file>
+
+<file path=ppt/slides/slide3.xml><?xml version="1.0" encoding="utf-8"?>
+<p:sld xmlns:a="http://schemas.openxmlformats.org/drawingml/2006/main" xmlns:r="http://schemas.openxmlformats.org/officeDocument/2006/relationships" xmlns:p="http://schemas.openxmlformats.org/presentationml/2006/main">
+  <p:cSld>
+    <p:spTree>
+      <p:nvGrpSpPr>
+        <p:cNvPr id="1" name=""/>
+        <p:cNvGrpSpPr/>
+        <p:nvPr/>
+      </p:nvGrpSpPr>
+      <p:grpSpPr>
+        <a:xfrm>
+          <a:off x="0" y="0"/>
+          <a:ext cx="0" cy="0"/>
+          <a:chOff x="0" y="0"/>
+          <a:chExt cx="0" cy="0"/>
+        </a:xfrm>
+      </p:grpSpPr>
+      <p:sp>
+        <p:nvSpPr>
+          <p:cNvPr id="2" name="Title 1">
+            <a:extLst>
+              <a:ext uri="{FF2B5EF4-FFF2-40B4-BE49-F238E27FC236}">
+                <a16:creationId xmlns:a16="http://schemas.microsoft.com/office/drawing/2014/main" id="{365ACAF3-CE39-4FE0-9E3C-B8DCF1B45108}"/>
+              </a:ext>
+            </a:extLst>
+          </p:cNvPr>
+          <p:cNvSpPr>
+            <a:spLocks noGrp="1"/>
+          </p:cNvSpPr>
+          <p:nvPr>
+            <p:ph type="title"/>
+          </p:nvPr>
+        </p:nvSpPr>
+        <p:spPr/>
+        <p:txBody>
+          <a:bodyPr/>
+          <a:lstStyle/>
+          <a:p>
+            <a:r>
+              <a:rPr lang="en-US" dirty="0"/>
+              <a:t>Fluids questions</a:t>
+            </a:r>
+          </a:p>
+        </p:txBody>
+      </p:sp>
+      <p:sp>
+        <p:nvSpPr>
+          <p:cNvPr id="3" name="Content Placeholder 2">
+            <a:extLst>
+              <a:ext uri="{FF2B5EF4-FFF2-40B4-BE49-F238E27FC236}">
+                <a16:creationId xmlns:a16="http://schemas.microsoft.com/office/drawing/2014/main" id="{5821BDF8-4A9F-45F8-86D9-E93A2AB1ACBF}"/>
+              </a:ext>
+            </a:extLst>
+          </p:cNvPr>
+          <p:cNvSpPr>
+            <a:spLocks noGrp="1"/>
+          </p:cNvSpPr>
+          <p:nvPr>
+            <p:ph idx="1"/>
+          </p:nvPr>
+        </p:nvSpPr>
+        <p:spPr/>
+        <p:txBody>
+          <a:bodyPr/>
+          <a:lstStyle/>
+          <a:p>
+            <a:r>
+              <a:rPr lang="en-US" dirty="0"/>
+              <a:t>How are turbidity and flow related? </a:t>
+            </a:r>
+          </a:p>
+          <a:p>
+            <a:r>
+              <a:rPr lang="en-US" dirty="0"/>
+              <a:t>Is it external and/or internal?</a:t>
+            </a:r>
+          </a:p>
+          <a:p>
+            <a:r>
+              <a:rPr lang="en-US" dirty="0"/>
+              <a:t>Is low viscosity ideal?</a:t>
+            </a:r>
+          </a:p>
+          <a:p>
+            <a:r>
+              <a:rPr lang="en-US" dirty="0"/>
+              <a:t>I think I'm confused on all the pressures and head losses that are considered when determining the flow through a pipe.</a:t>
+            </a:r>
+          </a:p>
+          <a:p>
+            <a:endParaRPr lang="en-US" dirty="0"/>
+          </a:p>
+        </p:txBody>
+      </p:sp>
+    </p:spTree>
+    <p:extLst>
+      <p:ext uri="{BB962C8B-B14F-4D97-AF65-F5344CB8AC3E}">
+        <p14:creationId xmlns:p14="http://schemas.microsoft.com/office/powerpoint/2010/main" val="2821267295"/>
+      </p:ext>
+    </p:extLst>
+  </p:cSld>
+  <p:clrMapOvr>
+    <a:masterClrMapping/>
+  </p:clrMapOvr>
+  <p:transition>
+    <p:fade/>
+  </p:transition>
+  <p:timing>
+    <p:tnLst>
+      <p:par>
+        <p:cTn id="1" dur="indefinite" restart="never" nodeType="tmRoot">
+          <p:childTnLst>
+            <p:seq concurrent="1" nextAc="seek">
+              <p:cTn id="2" dur="indefinite" nodeType="mainSeq">
+                <p:childTnLst>
+                  <p:par>
+                    <p:cTn id="3" fill="hold">
+                      <p:stCondLst>
+                        <p:cond delay="indefinite"/>
+                      </p:stCondLst>
+                      <p:childTnLst>
+                        <p:par>
+                          <p:cTn id="4" fill="hold">
+                            <p:stCondLst>
+                              <p:cond delay="0"/>
+                            </p:stCondLst>
+                            <p:childTnLst>
+                              <p:par>
+                                <p:cTn id="5" presetID="1" presetClass="entr" presetSubtype="0" fill="hold" grpId="0" nodeType="clickEffect">
+                                  <p:stCondLst>
+                                    <p:cond delay="0"/>
+                                  </p:stCondLst>
+                                  <p:childTnLst>
+                                    <p:set>
+                                      <p:cBhvr>
+                                        <p:cTn id="6" dur="1" fill="hold">
+                                          <p:stCondLst>
+                                            <p:cond delay="0"/>
+                                          </p:stCondLst>
+                                        </p:cTn>
+                                        <p:tgtEl>
+                                          <p:spTgt spid="3">
+                                            <p:txEl>
+                                              <p:pRg st="0" end="0"/>
+                                            </p:txEl>
+                                          </p:spTgt>
+                                        </p:tgtEl>
+                                        <p:attrNameLst>
+                                          <p:attrName>style.visibility</p:attrName>
+                                        </p:attrNameLst>
+                                      </p:cBhvr>
+                                      <p:to>
+                                        <p:strVal val="visible"/>
+                                      </p:to>
+                                    </p:set>
+                                  </p:childTnLst>
+                                </p:cTn>
+                              </p:par>
+                            </p:childTnLst>
+                          </p:cTn>
+                        </p:par>
+                      </p:childTnLst>
+                    </p:cTn>
+                  </p:par>
+                  <p:par>
+                    <p:cTn id="7" fill="hold">
+                      <p:stCondLst>
+                        <p:cond delay="indefinite"/>
+                      </p:stCondLst>
+                      <p:childTnLst>
+                        <p:par>
+                          <p:cTn id="8" fill="hold">
+                            <p:stCondLst>
+                              <p:cond delay="0"/>
+                            </p:stCondLst>
+                            <p:childTnLst>
+                              <p:par>
+                                <p:cTn id="9" presetID="1" presetClass="entr" presetSubtype="0" fill="hold" grpId="0" nodeType="clickEffect">
+                                  <p:stCondLst>
+                                    <p:cond delay="0"/>
+                                  </p:stCondLst>
+                                  <p:childTnLst>
+                                    <p:set>
+                                      <p:cBhvr>
+                                        <p:cTn id="10" dur="1" fill="hold">
+                                          <p:stCondLst>
+                                            <p:cond delay="0"/>
+                                          </p:stCondLst>
+                                        </p:cTn>
+                                        <p:tgtEl>
+                                          <p:spTgt spid="3">
+                                            <p:txEl>
+                                              <p:pRg st="1" end="1"/>
+                                            </p:txEl>
+                                          </p:spTgt>
+                                        </p:tgtEl>
+                                        <p:attrNameLst>
+                                          <p:attrName>style.visibility</p:attrName>
+                                        </p:attrNameLst>
+                                      </p:cBhvr>
+                                      <p:to>
+                                        <p:strVal val="visible"/>
+                                      </p:to>
+                                    </p:set>
+                                  </p:childTnLst>
+                                </p:cTn>
+                              </p:par>
+                            </p:childTnLst>
+                          </p:cTn>
+                        </p:par>
+                      </p:childTnLst>
+                    </p:cTn>
+                  </p:par>
+                  <p:par>
+                    <p:cTn id="11" fill="hold">
+                      <p:stCondLst>
+                        <p:cond delay="indefinite"/>
+                      </p:stCondLst>
+                      <p:childTnLst>
+                        <p:par>
+                          <p:cTn id="12" fill="hold">
+                            <p:stCondLst>
+                              <p:cond delay="0"/>
+                            </p:stCondLst>
+                            <p:childTnLst>
+                              <p:par>
+                                <p:cTn id="13" presetID="1" presetClass="entr" presetSubtype="0" fill="hold" grpId="0" nodeType="clickEffect">
+                                  <p:stCondLst>
+                                    <p:cond delay="0"/>
+                                  </p:stCondLst>
+                                  <p:childTnLst>
+                                    <p:set>
+                                      <p:cBhvr>
+                                        <p:cTn id="14" dur="1" fill="hold">
+                                          <p:stCondLst>
+                                            <p:cond delay="0"/>
+                                          </p:stCondLst>
+                                        </p:cTn>
+                                        <p:tgtEl>
+                                          <p:spTgt spid="3">
+                                            <p:txEl>
+                                              <p:pRg st="2" end="2"/>
+                                            </p:txEl>
+                                          </p:spTgt>
+                                        </p:tgtEl>
+                                        <p:attrNameLst>
+                                          <p:attrName>style.visibility</p:attrName>
+                                        </p:attrNameLst>
+                                      </p:cBhvr>
+                                      <p:to>
+                                        <p:strVal val="visible"/>
+                                      </p:to>
+                                    </p:set>
+                                  </p:childTnLst>
+                                </p:cTn>
+                              </p:par>
+                            </p:childTnLst>
+                          </p:cTn>
+                        </p:par>
+                      </p:childTnLst>
+                    </p:cTn>
+                  </p:par>
+                  <p:par>
+                    <p:cTn id="15" fill="hold">
+                      <p:stCondLst>
+                        <p:cond delay="indefinite"/>
+                      </p:stCondLst>
+                      <p:childTnLst>
+                        <p:par>
+                          <p:cTn id="16" fill="hold">
+                            <p:stCondLst>
+                              <p:cond delay="0"/>
+                            </p:stCondLst>
+                            <p:childTnLst>
+                              <p:par>
+                                <p:cTn id="17" presetID="1" presetClass="entr" presetSubtype="0" fill="hold" grpId="0" nodeType="clickEffect">
+                                  <p:stCondLst>
+                                    <p:cond delay="0"/>
+                                  </p:stCondLst>
+                                  <p:childTnLst>
+                                    <p:set>
+                                      <p:cBhvr>
+                                        <p:cTn id="18" dur="1" fill="hold">
+                                          <p:stCondLst>
+                                            <p:cond delay="0"/>
+                                          </p:stCondLst>
+                                        </p:cTn>
+                                        <p:tgtEl>
+                                          <p:spTgt spid="3">
+                                            <p:txEl>
+                                              <p:pRg st="3" end="3"/>
+                                            </p:txEl>
+                                          </p:spTgt>
+                                        </p:tgtEl>
+                                        <p:attrNameLst>
+                                          <p:attrName>style.visibility</p:attrName>
+                                        </p:attrNameLst>
+                                      </p:cBhvr>
+                                      <p:to>
+                                        <p:strVal val="visible"/>
+                                      </p:to>
+                                    </p:set>
+                                  </p:childTnLst>
+                                </p:cTn>
+                              </p:par>
+                            </p:childTnLst>
+                          </p:cTn>
+                        </p:par>
+                      </p:childTnLst>
+                    </p:cTn>
+                  </p:par>
+                </p:childTnLst>
+              </p:cTn>
+              <p:prevCondLst>
+                <p:cond evt="onPrev" delay="0">
+                  <p:tgtEl>
+                    <p:sldTgt/>
+                  </p:tgtEl>
+                </p:cond>
+              </p:prevCondLst>
+              <p:nextCondLst>
+                <p:cond evt="onNext" delay="0">
+                  <p:tgtEl>
+                    <p:sldTgt/>
+                  </p:tgtEl>
+                </p:cond>
+              </p:nextCondLst>
+            </p:seq>
+          </p:childTnLst>
+        </p:cTn>
+      </p:par>
+    </p:tnLst>
+    <p:bldLst>
+      <p:bldP spid="3" grpId="0" build="p"/>
+    </p:bldLst>
+  </p:timing>
+</p:sld>
+</file>
+
+<file path=ppt/slides/slide4.xml><?xml version="1.0" encoding="utf-8"?>
 <p:sld xmlns:a="http://schemas.openxmlformats.org/drawingml/2006/main" xmlns:r="http://schemas.openxmlformats.org/officeDocument/2006/relationships" xmlns:p="http://schemas.openxmlformats.org/presentationml/2006/main">
   <p:cSld>
     <p:spTree>
@@ -5027,7 +6102,7 @@
 </p:sld>
 </file>
 
-<file path=ppt/slides/slide2.xml><?xml version="1.0" encoding="utf-8"?>
+<file path=ppt/slides/slide5.xml><?xml version="1.0" encoding="utf-8"?>
 <p:sld xmlns:a="http://schemas.openxmlformats.org/drawingml/2006/main" xmlns:r="http://schemas.openxmlformats.org/officeDocument/2006/relationships" xmlns:p="http://schemas.openxmlformats.org/presentationml/2006/main">
   <p:cSld>
     <p:spTree>
@@ -46065,7 +47140,7 @@
 </p:sld>
 </file>
 
-<file path=ppt/slides/slide3.xml><?xml version="1.0" encoding="utf-8"?>
+<file path=ppt/slides/slide6.xml><?xml version="1.0" encoding="utf-8"?>
 <p:sld xmlns:a="http://schemas.openxmlformats.org/drawingml/2006/main" xmlns:r="http://schemas.openxmlformats.org/officeDocument/2006/relationships" xmlns:p="http://schemas.openxmlformats.org/presentationml/2006/main">
   <p:cSld>
     <p:spTree>
@@ -46126,7 +47201,12 @@
             <p:ph idx="1"/>
           </p:nvPr>
         </p:nvSpPr>
-        <p:spPr/>
+        <p:spPr>
+          <a:xfrm>
+            <a:off x="457200" y="1600200"/>
+            <a:ext cx="9677400" cy="4525963"/>
+          </a:xfrm>
+        </p:spPr>
         <p:txBody>
           <a:bodyPr/>
           <a:lstStyle/>
@@ -46177,6 +47257,86 @@
           </a:p>
         </p:txBody>
       </p:sp>
+      <p:pic>
+        <p:nvPicPr>
+          <p:cNvPr id="4" name="Picture 3" descr="\documentclass{article}&#10;\usepackage{amsmath}&#10;\pagestyle{empty}&#10;\begin{document}&#10;&#10;&#10;$$h_{\rm{f}} \, = \, {\rm{f}} \frac{L}{D} \frac{\bar v^2}{2g}$$&#10;&#10;\end{document}" title="IguanaTex Bitmap Display">
+            <a:extLst>
+              <a:ext uri="{FF2B5EF4-FFF2-40B4-BE49-F238E27FC236}">
+                <a16:creationId xmlns:a16="http://schemas.microsoft.com/office/drawing/2014/main" id="{6C69DB6A-8BC5-46FC-9B39-BB99600980C9}"/>
+              </a:ext>
+            </a:extLst>
+          </p:cNvPr>
+          <p:cNvPicPr>
+            <a:picLocks noChangeAspect="1"/>
+          </p:cNvPicPr>
+          <p:nvPr>
+            <p:custDataLst>
+              <p:tags r:id="rId1"/>
+            </p:custDataLst>
+          </p:nvPr>
+        </p:nvPicPr>
+        <p:blipFill>
+          <a:blip r:embed="rId4" cstate="print">
+            <a:extLst>
+              <a:ext uri="{28A0092B-C50C-407E-A947-70E740481C1C}">
+                <a14:useLocalDpi xmlns:a14="http://schemas.microsoft.com/office/drawing/2010/main" val="0"/>
+              </a:ext>
+            </a:extLst>
+          </a:blip>
+          <a:stretch>
+            <a:fillRect/>
+          </a:stretch>
+        </p:blipFill>
+        <p:spPr>
+          <a:xfrm>
+            <a:off x="9944081" y="5181599"/>
+            <a:ext cx="1770841" cy="822397"/>
+          </a:xfrm>
+          <a:prstGeom prst="rect">
+            <a:avLst/>
+          </a:prstGeom>
+        </p:spPr>
+      </p:pic>
+      <p:pic>
+        <p:nvPicPr>
+          <p:cNvPr id="7" name="Picture 6" descr="\documentclass{article}&#10;\usepackage{amsmath}&#10;\pagestyle{empty}&#10;\begin{document}&#10;&#10;$${h_e} = {K_e}\frac{\bar v^2}{2g}$$&#10;&#10;&#10;\end{document}" title="IguanaTex Bitmap Display">
+            <a:extLst>
+              <a:ext uri="{FF2B5EF4-FFF2-40B4-BE49-F238E27FC236}">
+                <a16:creationId xmlns:a16="http://schemas.microsoft.com/office/drawing/2014/main" id="{BAADC630-DCB2-4A9D-817A-2D7F5E93AF31}"/>
+              </a:ext>
+            </a:extLst>
+          </p:cNvPr>
+          <p:cNvPicPr>
+            <a:picLocks noChangeAspect="1"/>
+          </p:cNvPicPr>
+          <p:nvPr>
+            <p:custDataLst>
+              <p:tags r:id="rId2"/>
+            </p:custDataLst>
+          </p:nvPr>
+        </p:nvPicPr>
+        <p:blipFill>
+          <a:blip r:embed="rId5" cstate="print">
+            <a:extLst>
+              <a:ext uri="{28A0092B-C50C-407E-A947-70E740481C1C}">
+                <a14:useLocalDpi xmlns:a14="http://schemas.microsoft.com/office/drawing/2010/main" val="0"/>
+              </a:ext>
+            </a:extLst>
+          </a:blip>
+          <a:stretch>
+            <a:fillRect/>
+          </a:stretch>
+        </p:blipFill>
+        <p:spPr>
+          <a:xfrm>
+            <a:off x="9900970" y="4038601"/>
+            <a:ext cx="1770842" cy="902427"/>
+          </a:xfrm>
+          <a:prstGeom prst="rect">
+            <a:avLst/>
+          </a:prstGeom>
+        </p:spPr>
+      </p:pic>
     </p:spTree>
     <p:extLst>
       <p:ext uri="{BB962C8B-B14F-4D97-AF65-F5344CB8AC3E}">
@@ -46190,10 +47350,112 @@
   <p:transition>
     <p:fade/>
   </p:transition>
+  <p:timing>
+    <p:tnLst>
+      <p:par>
+        <p:cTn id="1" dur="indefinite" restart="never" nodeType="tmRoot">
+          <p:childTnLst>
+            <p:seq concurrent="1" nextAc="seek">
+              <p:cTn id="2" dur="indefinite" nodeType="mainSeq">
+                <p:childTnLst>
+                  <p:par>
+                    <p:cTn id="3" fill="hold">
+                      <p:stCondLst>
+                        <p:cond delay="indefinite"/>
+                      </p:stCondLst>
+                      <p:childTnLst>
+                        <p:par>
+                          <p:cTn id="4" fill="hold">
+                            <p:stCondLst>
+                              <p:cond delay="0"/>
+                            </p:stCondLst>
+                            <p:childTnLst>
+                              <p:par>
+                                <p:cTn id="5" presetID="1" presetClass="entr" presetSubtype="0" fill="hold" nodeType="clickEffect">
+                                  <p:stCondLst>
+                                    <p:cond delay="0"/>
+                                  </p:stCondLst>
+                                  <p:childTnLst>
+                                    <p:set>
+                                      <p:cBhvr>
+                                        <p:cTn id="6" dur="1" fill="hold">
+                                          <p:stCondLst>
+                                            <p:cond delay="0"/>
+                                          </p:stCondLst>
+                                        </p:cTn>
+                                        <p:tgtEl>
+                                          <p:spTgt spid="4"/>
+                                        </p:tgtEl>
+                                        <p:attrNameLst>
+                                          <p:attrName>style.visibility</p:attrName>
+                                        </p:attrNameLst>
+                                      </p:cBhvr>
+                                      <p:to>
+                                        <p:strVal val="visible"/>
+                                      </p:to>
+                                    </p:set>
+                                  </p:childTnLst>
+                                </p:cTn>
+                              </p:par>
+                              <p:par>
+                                <p:cTn id="7" presetID="1" presetClass="entr" presetSubtype="0" fill="hold" nodeType="withEffect">
+                                  <p:stCondLst>
+                                    <p:cond delay="0"/>
+                                  </p:stCondLst>
+                                  <p:childTnLst>
+                                    <p:set>
+                                      <p:cBhvr>
+                                        <p:cTn id="8" dur="1" fill="hold">
+                                          <p:stCondLst>
+                                            <p:cond delay="0"/>
+                                          </p:stCondLst>
+                                        </p:cTn>
+                                        <p:tgtEl>
+                                          <p:spTgt spid="7"/>
+                                        </p:tgtEl>
+                                        <p:attrNameLst>
+                                          <p:attrName>style.visibility</p:attrName>
+                                        </p:attrNameLst>
+                                      </p:cBhvr>
+                                      <p:to>
+                                        <p:strVal val="visible"/>
+                                      </p:to>
+                                    </p:set>
+                                  </p:childTnLst>
+                                </p:cTn>
+                              </p:par>
+                            </p:childTnLst>
+                          </p:cTn>
+                        </p:par>
+                      </p:childTnLst>
+                    </p:cTn>
+                  </p:par>
+                </p:childTnLst>
+              </p:cTn>
+              <p:prevCondLst>
+                <p:cond evt="onPrev" delay="0">
+                  <p:tgtEl>
+                    <p:sldTgt/>
+                  </p:tgtEl>
+                </p:cond>
+              </p:prevCondLst>
+              <p:nextCondLst>
+                <p:cond evt="onNext" delay="0">
+                  <p:tgtEl>
+                    <p:sldTgt/>
+                  </p:tgtEl>
+                </p:cond>
+              </p:nextCondLst>
+            </p:seq>
+          </p:childTnLst>
+        </p:cTn>
+      </p:par>
+    </p:tnLst>
+  </p:timing>
 </p:sld>
 </file>
 
-<file path=ppt/slides/slide4.xml><?xml version="1.0" encoding="utf-8"?>
+<file path=ppt/slides/slide7.xml><?xml version="1.0" encoding="utf-8"?>
 <p:sld xmlns:a="http://schemas.openxmlformats.org/drawingml/2006/main" xmlns:r="http://schemas.openxmlformats.org/officeDocument/2006/relationships" xmlns:p="http://schemas.openxmlformats.org/presentationml/2006/main">
   <p:cSld>
     <p:spTree>
@@ -46948,7 +48210,7 @@
 </p:sld>
 </file>
 
-<file path=ppt/slides/slide5.xml><?xml version="1.0" encoding="utf-8"?>
+<file path=ppt/slides/slide8.xml><?xml version="1.0" encoding="utf-8"?>
 <p:sld xmlns:a="http://schemas.openxmlformats.org/drawingml/2006/main" xmlns:r="http://schemas.openxmlformats.org/officeDocument/2006/relationships" xmlns:p="http://schemas.openxmlformats.org/presentationml/2006/main">
   <p:cSld>
     <p:spTree>
@@ -47117,7 +48379,7 @@
 </p:sld>
 </file>
 
-<file path=ppt/slides/slide6.xml><?xml version="1.0" encoding="utf-8"?>
+<file path=ppt/slides/slide9.xml><?xml version="1.0" encoding="utf-8"?>
 <p:sld xmlns:a="http://schemas.openxmlformats.org/drawingml/2006/main" xmlns:r="http://schemas.openxmlformats.org/officeDocument/2006/relationships" xmlns:p="http://schemas.openxmlformats.org/presentationml/2006/main">
   <p:cSld>
     <p:spTree>
@@ -47183,7 +48445,62 @@
           <a:bodyPr/>
           <a:lstStyle/>
           <a:p>
-            <a:endParaRPr lang="en-US"/>
+            <a:r>
+              <a:rPr lang="en-US" dirty="0"/>
+              <a:t>Use simple part studio (no </a:t>
+            </a:r>
+            <a:r>
+              <a:rPr lang="en-US" dirty="0" err="1"/>
+              <a:t>featurescript</a:t>
+            </a:r>
+            <a:r>
+              <a:rPr lang="en-US" dirty="0"/>
+              <a:t>)</a:t>
+            </a:r>
+          </a:p>
+          <a:p>
+            <a:r>
+              <a:rPr lang="en-US" dirty="0"/>
+              <a:t>Use config for head loss</a:t>
+            </a:r>
+          </a:p>
+          <a:p>
+            <a:r>
+              <a:rPr lang="en-US" dirty="0"/>
+              <a:t>Create two civil tanks separated by x=10 m, z=-1 m using mate connector</a:t>
+            </a:r>
+          </a:p>
+          <a:p>
+            <a:r>
+              <a:rPr lang="en-US" dirty="0"/>
+              <a:t>Sketch pipe that is 20 cm into tanks and 20 cm off the bottom</a:t>
+            </a:r>
+          </a:p>
+          <a:p>
+            <a:r>
+              <a:rPr lang="en-US" dirty="0"/>
+              <a:t>Create pipeline</a:t>
+            </a:r>
+          </a:p>
+          <a:p>
+            <a:r>
+              <a:rPr lang="en-US" dirty="0"/>
+              <a:t>Add holes</a:t>
+            </a:r>
+          </a:p>
+          <a:p>
+            <a:r>
+              <a:rPr lang="en-US" dirty="0"/>
+              <a:t>Paint it </a:t>
+            </a:r>
+            <a:r>
+              <a:rPr lang="en-US"/>
+              <a:t>for fun</a:t>
+            </a:r>
+            <a:endParaRPr lang="en-US" dirty="0"/>
+          </a:p>
+          <a:p>
+            <a:endParaRPr lang="en-US" dirty="0"/>
           </a:p>
         </p:txBody>
       </p:sp>
@@ -47211,6 +48528,44 @@
   <p:tag name="LATEXADDIN" val="\documentclass{article}&#10;\usepackage{amsmath}&#10;\pagestyle{empty}&#10;\begin{document}&#10;&#10;&#10;$${\rm{f}} = \frac{64}{{\mathop{\rm Re}\nolimits} }$$&#10;&#10;\end{document}"/>
   <p:tag name="IGUANATEXSIZE" val="25"/>
   <p:tag name="IGUANATEXCURSOR" val="132"/>
+  <p:tag name="TRANSPARENCY" val="True"/>
+  <p:tag name="FILENAME" val=""/>
+  <p:tag name="LATEXENGINEID" val="0"/>
+  <p:tag name="TEMPFOLDER" val="c:\temp\"/>
+  <p:tag name="LATEXFORMHEIGHT" val="312"/>
+  <p:tag name="LATEXFORMWIDTH" val="384"/>
+  <p:tag name="LATEXFORMWRAP" val="True"/>
+  <p:tag name="BITMAPVECTOR" val="0"/>
+</p:tagLst>
+</file>
+
+<file path=ppt/tags/tag10.xml><?xml version="1.0" encoding="utf-8"?>
+<p:tagLst xmlns:a="http://schemas.openxmlformats.org/drawingml/2006/main" xmlns:r="http://schemas.openxmlformats.org/officeDocument/2006/relationships" xmlns:p="http://schemas.openxmlformats.org/presentationml/2006/main">
+  <p:tag name="OUTPUTDPI" val="1200"/>
+  <p:tag name="ORIGINALHEIGHT" val="298.4627"/>
+  <p:tag name="ORIGINALWIDTH" val="642.6697"/>
+  <p:tag name="LATEXADDIN" val="\documentclass{article}&#10;\usepackage{amsmath}&#10;\pagestyle{empty}&#10;\begin{document}&#10;&#10;&#10;$$h_{\rm{f}} \, = \, {\rm{f}} \frac{L}{D} \frac{\bar v^2}{2g}$$&#10;&#10;\end{document}"/>
+  <p:tag name="IGUANATEXSIZE" val="20"/>
+  <p:tag name="IGUANATEXCURSOR" val="145"/>
+  <p:tag name="TRANSPARENCY" val="True"/>
+  <p:tag name="FILENAME" val=""/>
+  <p:tag name="LATEXENGINEID" val="0"/>
+  <p:tag name="TEMPFOLDER" val="c:\temp\"/>
+  <p:tag name="LATEXFORMHEIGHT" val="312"/>
+  <p:tag name="LATEXFORMWIDTH" val="384"/>
+  <p:tag name="LATEXFORMWRAP" val="True"/>
+  <p:tag name="BITMAPVECTOR" val="0"/>
+</p:tagLst>
+</file>
+
+<file path=ppt/tags/tag11.xml><?xml version="1.0" encoding="utf-8"?>
+<p:tagLst xmlns:a="http://schemas.openxmlformats.org/drawingml/2006/main" xmlns:r="http://schemas.openxmlformats.org/officeDocument/2006/relationships" xmlns:p="http://schemas.openxmlformats.org/presentationml/2006/main">
+  <p:tag name="OUTPUTDPI" val="1200"/>
+  <p:tag name="ORIGINALHEIGHT" val="298.4627"/>
+  <p:tag name="ORIGINALWIDTH" val="585.6768"/>
+  <p:tag name="LATEXADDIN" val="\documentclass{article}&#10;\usepackage{amsmath}&#10;\pagestyle{empty}&#10;\begin{document}&#10;&#10;$${h_e} = {K_e}\frac{\bar v^2}{2g}$$&#10;&#10;&#10;\end{document}"/>
+  <p:tag name="IGUANATEXSIZE" val="20"/>
+  <p:tag name="IGUANATEXCURSOR" val="96"/>
   <p:tag name="TRANSPARENCY" val="True"/>
   <p:tag name="FILENAME" val=""/>
   <p:tag name="LATEXENGINEID" val="0"/>

--- a/Discussions/Head Loss.pptx
+++ b/Discussions/Head Loss.pptx
@@ -5,45 +5,42 @@
     <p:sldMasterId id="2147483718" r:id="rId1"/>
   </p:sldMasterIdLst>
   <p:notesMasterIdLst>
-    <p:notesMasterId r:id="rId11"/>
+    <p:notesMasterId r:id="rId8"/>
   </p:notesMasterIdLst>
   <p:handoutMasterIdLst>
-    <p:handoutMasterId r:id="rId12"/>
+    <p:handoutMasterId r:id="rId9"/>
   </p:handoutMasterIdLst>
   <p:sldIdLst>
-    <p:sldId id="531" r:id="rId2"/>
-    <p:sldId id="532" r:id="rId3"/>
-    <p:sldId id="533" r:id="rId4"/>
-    <p:sldId id="495" r:id="rId5"/>
-    <p:sldId id="360" r:id="rId6"/>
-    <p:sldId id="528" r:id="rId7"/>
-    <p:sldId id="529" r:id="rId8"/>
-    <p:sldId id="527" r:id="rId9"/>
-    <p:sldId id="530" r:id="rId10"/>
+    <p:sldId id="495" r:id="rId2"/>
+    <p:sldId id="360" r:id="rId3"/>
+    <p:sldId id="528" r:id="rId4"/>
+    <p:sldId id="529" r:id="rId5"/>
+    <p:sldId id="527" r:id="rId6"/>
+    <p:sldId id="530" r:id="rId7"/>
   </p:sldIdLst>
   <p:sldSz cx="12192000" cy="6858000"/>
   <p:notesSz cx="7315200" cy="9601200"/>
   <p:embeddedFontLst>
     <p:embeddedFont>
       <p:font typeface="Calibri" panose="020F0502020204030204" pitchFamily="34" charset="0"/>
-      <p:regular r:id="rId13"/>
-      <p:bold r:id="rId14"/>
-      <p:italic r:id="rId15"/>
-      <p:boldItalic r:id="rId16"/>
+      <p:regular r:id="rId10"/>
+      <p:bold r:id="rId11"/>
+      <p:italic r:id="rId12"/>
+      <p:boldItalic r:id="rId13"/>
     </p:embeddedFont>
     <p:embeddedFont>
       <p:font typeface="Candara" panose="020E0502030303020204" pitchFamily="34" charset="0"/>
-      <p:regular r:id="rId17"/>
-      <p:bold r:id="rId18"/>
-      <p:italic r:id="rId19"/>
-      <p:boldItalic r:id="rId20"/>
+      <p:regular r:id="rId14"/>
+      <p:bold r:id="rId15"/>
+      <p:italic r:id="rId16"/>
+      <p:boldItalic r:id="rId17"/>
     </p:embeddedFont>
     <p:embeddedFont>
       <p:font typeface="Century Gothic" panose="020B0502020202020204" pitchFamily="34" charset="0"/>
-      <p:regular r:id="rId21"/>
-      <p:bold r:id="rId22"/>
-      <p:italic r:id="rId23"/>
-      <p:boldItalic r:id="rId24"/>
+      <p:regular r:id="rId18"/>
+      <p:bold r:id="rId19"/>
+      <p:italic r:id="rId20"/>
+      <p:boldItalic r:id="rId21"/>
     </p:embeddedFont>
   </p:embeddedFontLst>
   <p:defaultTextStyle>
@@ -897,103 +894,6 @@
       </p:grpSpPr>
       <p:sp>
         <p:nvSpPr>
-          <p:cNvPr id="2" name="Slide Image Placeholder 1"/>
-          <p:cNvSpPr>
-            <a:spLocks noGrp="1" noRot="1" noChangeAspect="1"/>
-          </p:cNvSpPr>
-          <p:nvPr>
-            <p:ph type="sldImg"/>
-          </p:nvPr>
-        </p:nvSpPr>
-        <p:spPr>
-          <a:xfrm>
-            <a:off x="457200" y="720725"/>
-            <a:ext cx="6400800" cy="3600450"/>
-          </a:xfrm>
-        </p:spPr>
-      </p:sp>
-      <p:sp>
-        <p:nvSpPr>
-          <p:cNvPr id="3" name="Notes Placeholder 2"/>
-          <p:cNvSpPr>
-            <a:spLocks noGrp="1"/>
-          </p:cNvSpPr>
-          <p:nvPr>
-            <p:ph type="body" idx="1"/>
-          </p:nvPr>
-        </p:nvSpPr>
-        <p:spPr/>
-        <p:txBody>
-          <a:bodyPr/>
-          <a:lstStyle/>
-          <a:p>
-            <a:r>
-              <a:rPr lang="en-US" dirty="0" err="1"/>
-              <a:t>Featurescript</a:t>
-            </a:r>
-            <a:r>
-              <a:rPr lang="en-US" dirty="0"/>
-              <a:t> equations for pipe flow will help here!</a:t>
-            </a:r>
-          </a:p>
-        </p:txBody>
-      </p:sp>
-      <p:sp>
-        <p:nvSpPr>
-          <p:cNvPr id="4" name="Slide Number Placeholder 3"/>
-          <p:cNvSpPr>
-            <a:spLocks noGrp="1"/>
-          </p:cNvSpPr>
-          <p:nvPr>
-            <p:ph type="sldNum" sz="quarter" idx="5"/>
-          </p:nvPr>
-        </p:nvSpPr>
-        <p:spPr/>
-        <p:txBody>
-          <a:bodyPr/>
-          <a:lstStyle/>
-          <a:p>
-            <a:fld id="{7913D7C8-1D10-4E5B-8A9B-B2BE7F2B7605}" type="slidenum">
-              <a:rPr lang="en-US" smtClean="0"/>
-              <a:pPr/>
-              <a:t>3</a:t>
-            </a:fld>
-            <a:endParaRPr lang="en-US"/>
-          </a:p>
-        </p:txBody>
-      </p:sp>
-    </p:spTree>
-    <p:extLst>
-      <p:ext uri="{BB962C8B-B14F-4D97-AF65-F5344CB8AC3E}">
-        <p14:creationId xmlns:p14="http://schemas.microsoft.com/office/powerpoint/2010/main" val="3177362544"/>
-      </p:ext>
-    </p:extLst>
-  </p:cSld>
-  <p:clrMapOvr>
-    <a:masterClrMapping/>
-  </p:clrMapOvr>
-</p:notes>
-</file>
-
-<file path=ppt/notesSlides/notesSlide2.xml><?xml version="1.0" encoding="utf-8"?>
-<p:notes xmlns:a="http://schemas.openxmlformats.org/drawingml/2006/main" xmlns:r="http://schemas.openxmlformats.org/officeDocument/2006/relationships" xmlns:p="http://schemas.openxmlformats.org/presentationml/2006/main">
-  <p:cSld>
-    <p:spTree>
-      <p:nvGrpSpPr>
-        <p:cNvPr id="1" name=""/>
-        <p:cNvGrpSpPr/>
-        <p:nvPr/>
-      </p:nvGrpSpPr>
-      <p:grpSpPr>
-        <a:xfrm>
-          <a:off x="0" y="0"/>
-          <a:ext cx="0" cy="0"/>
-          <a:chOff x="0" y="0"/>
-          <a:chExt cx="0" cy="0"/>
-        </a:xfrm>
-      </p:grpSpPr>
-      <p:sp>
-        <p:nvSpPr>
           <p:cNvPr id="7" name="Rectangle 7"/>
           <p:cNvSpPr>
             <a:spLocks noGrp="1" noChangeArrowheads="1"/>
@@ -1012,7 +912,7 @@
             <a:fld id="{F5A6E741-3498-406C-996F-BD426169E973}" type="slidenum">
               <a:rPr lang="en-US"/>
               <a:pPr/>
-              <a:t>4</a:t>
+              <a:t>1</a:t>
             </a:fld>
             <a:endParaRPr lang="en-US"/>
           </a:p>
@@ -1068,7 +968,7 @@
 </p:notes>
 </file>
 
-<file path=ppt/notesSlides/notesSlide3.xml><?xml version="1.0" encoding="utf-8"?>
+<file path=ppt/notesSlides/notesSlide2.xml><?xml version="1.0" encoding="utf-8"?>
 <p:notes xmlns:a="http://schemas.openxmlformats.org/drawingml/2006/main" xmlns:r="http://schemas.openxmlformats.org/officeDocument/2006/relationships" xmlns:p="http://schemas.openxmlformats.org/presentationml/2006/main">
   <p:cSld>
     <p:spTree>
@@ -1105,7 +1005,7 @@
             <a:fld id="{095099EF-FE16-4F89-A334-AC1F82364EA9}" type="slidenum">
               <a:rPr lang="en-US"/>
               <a:pPr/>
-              <a:t>5</a:t>
+              <a:t>2</a:t>
             </a:fld>
             <a:endParaRPr lang="en-US"/>
           </a:p>
@@ -1161,7 +1061,7 @@
 </p:notes>
 </file>
 
-<file path=ppt/notesSlides/notesSlide4.xml><?xml version="1.0" encoding="utf-8"?>
+<file path=ppt/notesSlides/notesSlide3.xml><?xml version="1.0" encoding="utf-8"?>
 <p:notes xmlns:a="http://schemas.openxmlformats.org/drawingml/2006/main" xmlns:r="http://schemas.openxmlformats.org/officeDocument/2006/relationships" xmlns:p="http://schemas.openxmlformats.org/presentationml/2006/main">
   <p:cSld>
     <p:spTree>
@@ -1253,7 +1153,7 @@
             <a:fld id="{7913D7C8-1D10-4E5B-8A9B-B2BE7F2B7605}" type="slidenum">
               <a:rPr lang="en-US" smtClean="0"/>
               <a:pPr/>
-              <a:t>7</a:t>
+              <a:t>4</a:t>
             </a:fld>
             <a:endParaRPr lang="en-US"/>
           </a:p>
@@ -2658,7 +2558,7 @@
           <a:p>
             <a:fld id="{216E0E02-55D8-4A62-964B-783B05293A72}" type="datetimeFigureOut">
               <a:rPr lang="es-HN" smtClean="0"/>
-              <a:t>24/1/2023</a:t>
+              <a:t>31/1/2023</a:t>
             </a:fld>
             <a:endParaRPr lang="es-HN"/>
           </a:p>
@@ -3521,981 +3421,6 @@
 </file>
 
 <file path=ppt/slides/slide1.xml><?xml version="1.0" encoding="utf-8"?>
-<p:sld xmlns:a="http://schemas.openxmlformats.org/drawingml/2006/main" xmlns:r="http://schemas.openxmlformats.org/officeDocument/2006/relationships" xmlns:p="http://schemas.openxmlformats.org/presentationml/2006/main">
-  <p:cSld>
-    <p:spTree>
-      <p:nvGrpSpPr>
-        <p:cNvPr id="1" name=""/>
-        <p:cNvGrpSpPr/>
-        <p:nvPr/>
-      </p:nvGrpSpPr>
-      <p:grpSpPr>
-        <a:xfrm>
-          <a:off x="0" y="0"/>
-          <a:ext cx="0" cy="0"/>
-          <a:chOff x="0" y="0"/>
-          <a:chExt cx="0" cy="0"/>
-        </a:xfrm>
-      </p:grpSpPr>
-      <p:sp>
-        <p:nvSpPr>
-          <p:cNvPr id="2" name="Title 1">
-            <a:extLst>
-              <a:ext uri="{FF2B5EF4-FFF2-40B4-BE49-F238E27FC236}">
-                <a16:creationId xmlns:a16="http://schemas.microsoft.com/office/drawing/2014/main" id="{E8187804-8C73-4FE1-A550-763995E3C2AA}"/>
-              </a:ext>
-            </a:extLst>
-          </p:cNvPr>
-          <p:cNvSpPr>
-            <a:spLocks noGrp="1"/>
-          </p:cNvSpPr>
-          <p:nvPr>
-            <p:ph type="title"/>
-          </p:nvPr>
-        </p:nvSpPr>
-        <p:spPr/>
-        <p:txBody>
-          <a:bodyPr/>
-          <a:lstStyle/>
-          <a:p>
-            <a:r>
-              <a:rPr lang="en-US" dirty="0"/>
-              <a:t>Student Questions</a:t>
-            </a:r>
-          </a:p>
-        </p:txBody>
-      </p:sp>
-      <p:sp>
-        <p:nvSpPr>
-          <p:cNvPr id="3" name="Content Placeholder 2">
-            <a:extLst>
-              <a:ext uri="{FF2B5EF4-FFF2-40B4-BE49-F238E27FC236}">
-                <a16:creationId xmlns:a16="http://schemas.microsoft.com/office/drawing/2014/main" id="{28D29EAA-3BDB-45BD-9DCB-BBCFE592BD9F}"/>
-              </a:ext>
-            </a:extLst>
-          </p:cNvPr>
-          <p:cNvSpPr>
-            <a:spLocks noGrp="1"/>
-          </p:cNvSpPr>
-          <p:nvPr>
-            <p:ph idx="1"/>
-          </p:nvPr>
-        </p:nvSpPr>
-        <p:spPr/>
-        <p:txBody>
-          <a:bodyPr/>
-          <a:lstStyle/>
-          <a:p>
-            <a:r>
-              <a:rPr lang="en-US" dirty="0"/>
-              <a:t>Does the BOM reflect updated costs?</a:t>
-            </a:r>
-          </a:p>
-          <a:p>
-            <a:r>
-              <a:rPr lang="en-US" dirty="0"/>
-              <a:t>What is the best method to learn </a:t>
-            </a:r>
-            <a:r>
-              <a:rPr lang="en-US" dirty="0" err="1"/>
-              <a:t>Onshape</a:t>
-            </a:r>
-            <a:r>
-              <a:rPr lang="en-US" dirty="0"/>
-              <a:t>?</a:t>
-            </a:r>
-          </a:p>
-          <a:p>
-            <a:r>
-              <a:rPr lang="en-US" dirty="0"/>
-              <a:t>What else can it be used for?</a:t>
-            </a:r>
-            <a:br>
-              <a:rPr lang="en-US" dirty="0"/>
-            </a:br>
-            <a:endParaRPr lang="en-US" dirty="0"/>
-          </a:p>
-          <a:p>
-            <a:endParaRPr lang="en-US" dirty="0"/>
-          </a:p>
-        </p:txBody>
-      </p:sp>
-    </p:spTree>
-    <p:extLst>
-      <p:ext uri="{BB962C8B-B14F-4D97-AF65-F5344CB8AC3E}">
-        <p14:creationId xmlns:p14="http://schemas.microsoft.com/office/powerpoint/2010/main" val="1192998806"/>
-      </p:ext>
-    </p:extLst>
-  </p:cSld>
-  <p:clrMapOvr>
-    <a:masterClrMapping/>
-  </p:clrMapOvr>
-  <p:transition>
-    <p:fade/>
-  </p:transition>
-  <p:timing>
-    <p:tnLst>
-      <p:par>
-        <p:cTn id="1" dur="indefinite" restart="never" nodeType="tmRoot">
-          <p:childTnLst>
-            <p:seq concurrent="1" nextAc="seek">
-              <p:cTn id="2" dur="indefinite" nodeType="mainSeq">
-                <p:childTnLst>
-                  <p:par>
-                    <p:cTn id="3" fill="hold">
-                      <p:stCondLst>
-                        <p:cond delay="indefinite"/>
-                      </p:stCondLst>
-                      <p:childTnLst>
-                        <p:par>
-                          <p:cTn id="4" fill="hold">
-                            <p:stCondLst>
-                              <p:cond delay="0"/>
-                            </p:stCondLst>
-                            <p:childTnLst>
-                              <p:par>
-                                <p:cTn id="5" presetID="1" presetClass="entr" presetSubtype="0" fill="hold" grpId="0" nodeType="clickEffect">
-                                  <p:stCondLst>
-                                    <p:cond delay="0"/>
-                                  </p:stCondLst>
-                                  <p:childTnLst>
-                                    <p:set>
-                                      <p:cBhvr>
-                                        <p:cTn id="6" dur="1" fill="hold">
-                                          <p:stCondLst>
-                                            <p:cond delay="0"/>
-                                          </p:stCondLst>
-                                        </p:cTn>
-                                        <p:tgtEl>
-                                          <p:spTgt spid="3">
-                                            <p:txEl>
-                                              <p:pRg st="0" end="0"/>
-                                            </p:txEl>
-                                          </p:spTgt>
-                                        </p:tgtEl>
-                                        <p:attrNameLst>
-                                          <p:attrName>style.visibility</p:attrName>
-                                        </p:attrNameLst>
-                                      </p:cBhvr>
-                                      <p:to>
-                                        <p:strVal val="visible"/>
-                                      </p:to>
-                                    </p:set>
-                                  </p:childTnLst>
-                                </p:cTn>
-                              </p:par>
-                            </p:childTnLst>
-                          </p:cTn>
-                        </p:par>
-                      </p:childTnLst>
-                    </p:cTn>
-                  </p:par>
-                  <p:par>
-                    <p:cTn id="7" fill="hold">
-                      <p:stCondLst>
-                        <p:cond delay="indefinite"/>
-                      </p:stCondLst>
-                      <p:childTnLst>
-                        <p:par>
-                          <p:cTn id="8" fill="hold">
-                            <p:stCondLst>
-                              <p:cond delay="0"/>
-                            </p:stCondLst>
-                            <p:childTnLst>
-                              <p:par>
-                                <p:cTn id="9" presetID="1" presetClass="entr" presetSubtype="0" fill="hold" grpId="0" nodeType="clickEffect">
-                                  <p:stCondLst>
-                                    <p:cond delay="0"/>
-                                  </p:stCondLst>
-                                  <p:childTnLst>
-                                    <p:set>
-                                      <p:cBhvr>
-                                        <p:cTn id="10" dur="1" fill="hold">
-                                          <p:stCondLst>
-                                            <p:cond delay="0"/>
-                                          </p:stCondLst>
-                                        </p:cTn>
-                                        <p:tgtEl>
-                                          <p:spTgt spid="3">
-                                            <p:txEl>
-                                              <p:pRg st="1" end="1"/>
-                                            </p:txEl>
-                                          </p:spTgt>
-                                        </p:tgtEl>
-                                        <p:attrNameLst>
-                                          <p:attrName>style.visibility</p:attrName>
-                                        </p:attrNameLst>
-                                      </p:cBhvr>
-                                      <p:to>
-                                        <p:strVal val="visible"/>
-                                      </p:to>
-                                    </p:set>
-                                  </p:childTnLst>
-                                </p:cTn>
-                              </p:par>
-                            </p:childTnLst>
-                          </p:cTn>
-                        </p:par>
-                      </p:childTnLst>
-                    </p:cTn>
-                  </p:par>
-                  <p:par>
-                    <p:cTn id="11" fill="hold">
-                      <p:stCondLst>
-                        <p:cond delay="indefinite"/>
-                      </p:stCondLst>
-                      <p:childTnLst>
-                        <p:par>
-                          <p:cTn id="12" fill="hold">
-                            <p:stCondLst>
-                              <p:cond delay="0"/>
-                            </p:stCondLst>
-                            <p:childTnLst>
-                              <p:par>
-                                <p:cTn id="13" presetID="1" presetClass="entr" presetSubtype="0" fill="hold" grpId="0" nodeType="clickEffect">
-                                  <p:stCondLst>
-                                    <p:cond delay="0"/>
-                                  </p:stCondLst>
-                                  <p:childTnLst>
-                                    <p:set>
-                                      <p:cBhvr>
-                                        <p:cTn id="14" dur="1" fill="hold">
-                                          <p:stCondLst>
-                                            <p:cond delay="0"/>
-                                          </p:stCondLst>
-                                        </p:cTn>
-                                        <p:tgtEl>
-                                          <p:spTgt spid="3">
-                                            <p:txEl>
-                                              <p:pRg st="2" end="2"/>
-                                            </p:txEl>
-                                          </p:spTgt>
-                                        </p:tgtEl>
-                                        <p:attrNameLst>
-                                          <p:attrName>style.visibility</p:attrName>
-                                        </p:attrNameLst>
-                                      </p:cBhvr>
-                                      <p:to>
-                                        <p:strVal val="visible"/>
-                                      </p:to>
-                                    </p:set>
-                                  </p:childTnLst>
-                                </p:cTn>
-                              </p:par>
-                            </p:childTnLst>
-                          </p:cTn>
-                        </p:par>
-                      </p:childTnLst>
-                    </p:cTn>
-                  </p:par>
-                </p:childTnLst>
-              </p:cTn>
-              <p:prevCondLst>
-                <p:cond evt="onPrev" delay="0">
-                  <p:tgtEl>
-                    <p:sldTgt/>
-                  </p:tgtEl>
-                </p:cond>
-              </p:prevCondLst>
-              <p:nextCondLst>
-                <p:cond evt="onNext" delay="0">
-                  <p:tgtEl>
-                    <p:sldTgt/>
-                  </p:tgtEl>
-                </p:cond>
-              </p:nextCondLst>
-            </p:seq>
-          </p:childTnLst>
-        </p:cTn>
-      </p:par>
-    </p:tnLst>
-    <p:bldLst>
-      <p:bldP spid="3" grpId="0" build="p"/>
-    </p:bldLst>
-  </p:timing>
-</p:sld>
-</file>
-
-<file path=ppt/slides/slide2.xml><?xml version="1.0" encoding="utf-8"?>
-<p:sld xmlns:a="http://schemas.openxmlformats.org/drawingml/2006/main" xmlns:r="http://schemas.openxmlformats.org/officeDocument/2006/relationships" xmlns:p="http://schemas.openxmlformats.org/presentationml/2006/main">
-  <p:cSld>
-    <p:spTree>
-      <p:nvGrpSpPr>
-        <p:cNvPr id="1" name=""/>
-        <p:cNvGrpSpPr/>
-        <p:nvPr/>
-      </p:nvGrpSpPr>
-      <p:grpSpPr>
-        <a:xfrm>
-          <a:off x="0" y="0"/>
-          <a:ext cx="0" cy="0"/>
-          <a:chOff x="0" y="0"/>
-          <a:chExt cx="0" cy="0"/>
-        </a:xfrm>
-      </p:grpSpPr>
-      <p:sp>
-        <p:nvSpPr>
-          <p:cNvPr id="2" name="Title 1">
-            <a:extLst>
-              <a:ext uri="{FF2B5EF4-FFF2-40B4-BE49-F238E27FC236}">
-                <a16:creationId xmlns:a16="http://schemas.microsoft.com/office/drawing/2014/main" id="{365ACAF3-CE39-4FE0-9E3C-B8DCF1B45108}"/>
-              </a:ext>
-            </a:extLst>
-          </p:cNvPr>
-          <p:cNvSpPr>
-            <a:spLocks noGrp="1"/>
-          </p:cNvSpPr>
-          <p:nvPr>
-            <p:ph type="title"/>
-          </p:nvPr>
-        </p:nvSpPr>
-        <p:spPr/>
-        <p:txBody>
-          <a:bodyPr/>
-          <a:lstStyle/>
-          <a:p>
-            <a:r>
-              <a:rPr lang="en-US" dirty="0"/>
-              <a:t>Fluids questions</a:t>
-            </a:r>
-          </a:p>
-        </p:txBody>
-      </p:sp>
-      <p:sp>
-        <p:nvSpPr>
-          <p:cNvPr id="3" name="Content Placeholder 2">
-            <a:extLst>
-              <a:ext uri="{FF2B5EF4-FFF2-40B4-BE49-F238E27FC236}">
-                <a16:creationId xmlns:a16="http://schemas.microsoft.com/office/drawing/2014/main" id="{5821BDF8-4A9F-45F8-86D9-E93A2AB1ACBF}"/>
-              </a:ext>
-            </a:extLst>
-          </p:cNvPr>
-          <p:cNvSpPr>
-            <a:spLocks noGrp="1"/>
-          </p:cNvSpPr>
-          <p:nvPr>
-            <p:ph idx="1"/>
-          </p:nvPr>
-        </p:nvSpPr>
-        <p:spPr/>
-        <p:txBody>
-          <a:bodyPr/>
-          <a:lstStyle/>
-          <a:p>
-            <a:r>
-              <a:rPr lang="en-US" dirty="0"/>
-              <a:t>Are the walls within the flocculator that ensure proper mixing and particle collision considered flow control devices? I am just confused on the what the definition of a flow control device is.</a:t>
-            </a:r>
-          </a:p>
-          <a:p>
-            <a:r>
-              <a:rPr lang="en-US" dirty="0"/>
-              <a:t>Why does lower pressure mean more drag?</a:t>
-            </a:r>
-          </a:p>
-          <a:p>
-            <a:r>
-              <a:rPr lang="en-US" dirty="0"/>
-              <a:t>How does the orifice equation change for a hole that is not a circle (square or triangle shape for example)? Or is it the same?</a:t>
-            </a:r>
-          </a:p>
-          <a:p>
-            <a:r>
-              <a:rPr lang="en-US" dirty="0"/>
-              <a:t>Are we going to have assignments where we have to use all of these fluid mechanics equations/When will we use these equations</a:t>
-            </a:r>
-            <a:br>
-              <a:rPr lang="en-US" dirty="0"/>
-            </a:br>
-            <a:endParaRPr lang="en-US" dirty="0"/>
-          </a:p>
-        </p:txBody>
-      </p:sp>
-    </p:spTree>
-    <p:extLst>
-      <p:ext uri="{BB962C8B-B14F-4D97-AF65-F5344CB8AC3E}">
-        <p14:creationId xmlns:p14="http://schemas.microsoft.com/office/powerpoint/2010/main" val="62533383"/>
-      </p:ext>
-    </p:extLst>
-  </p:cSld>
-  <p:clrMapOvr>
-    <a:masterClrMapping/>
-  </p:clrMapOvr>
-  <p:transition>
-    <p:fade/>
-  </p:transition>
-  <p:timing>
-    <p:tnLst>
-      <p:par>
-        <p:cTn id="1" dur="indefinite" restart="never" nodeType="tmRoot">
-          <p:childTnLst>
-            <p:seq concurrent="1" nextAc="seek">
-              <p:cTn id="2" dur="indefinite" nodeType="mainSeq">
-                <p:childTnLst>
-                  <p:par>
-                    <p:cTn id="3" fill="hold">
-                      <p:stCondLst>
-                        <p:cond delay="indefinite"/>
-                      </p:stCondLst>
-                      <p:childTnLst>
-                        <p:par>
-                          <p:cTn id="4" fill="hold">
-                            <p:stCondLst>
-                              <p:cond delay="0"/>
-                            </p:stCondLst>
-                            <p:childTnLst>
-                              <p:par>
-                                <p:cTn id="5" presetID="1" presetClass="entr" presetSubtype="0" fill="hold" grpId="0" nodeType="clickEffect">
-                                  <p:stCondLst>
-                                    <p:cond delay="0"/>
-                                  </p:stCondLst>
-                                  <p:childTnLst>
-                                    <p:set>
-                                      <p:cBhvr>
-                                        <p:cTn id="6" dur="1" fill="hold">
-                                          <p:stCondLst>
-                                            <p:cond delay="0"/>
-                                          </p:stCondLst>
-                                        </p:cTn>
-                                        <p:tgtEl>
-                                          <p:spTgt spid="3">
-                                            <p:txEl>
-                                              <p:pRg st="0" end="0"/>
-                                            </p:txEl>
-                                          </p:spTgt>
-                                        </p:tgtEl>
-                                        <p:attrNameLst>
-                                          <p:attrName>style.visibility</p:attrName>
-                                        </p:attrNameLst>
-                                      </p:cBhvr>
-                                      <p:to>
-                                        <p:strVal val="visible"/>
-                                      </p:to>
-                                    </p:set>
-                                  </p:childTnLst>
-                                </p:cTn>
-                              </p:par>
-                            </p:childTnLst>
-                          </p:cTn>
-                        </p:par>
-                      </p:childTnLst>
-                    </p:cTn>
-                  </p:par>
-                  <p:par>
-                    <p:cTn id="7" fill="hold">
-                      <p:stCondLst>
-                        <p:cond delay="indefinite"/>
-                      </p:stCondLst>
-                      <p:childTnLst>
-                        <p:par>
-                          <p:cTn id="8" fill="hold">
-                            <p:stCondLst>
-                              <p:cond delay="0"/>
-                            </p:stCondLst>
-                            <p:childTnLst>
-                              <p:par>
-                                <p:cTn id="9" presetID="1" presetClass="entr" presetSubtype="0" fill="hold" grpId="0" nodeType="clickEffect">
-                                  <p:stCondLst>
-                                    <p:cond delay="0"/>
-                                  </p:stCondLst>
-                                  <p:childTnLst>
-                                    <p:set>
-                                      <p:cBhvr>
-                                        <p:cTn id="10" dur="1" fill="hold">
-                                          <p:stCondLst>
-                                            <p:cond delay="0"/>
-                                          </p:stCondLst>
-                                        </p:cTn>
-                                        <p:tgtEl>
-                                          <p:spTgt spid="3">
-                                            <p:txEl>
-                                              <p:pRg st="1" end="1"/>
-                                            </p:txEl>
-                                          </p:spTgt>
-                                        </p:tgtEl>
-                                        <p:attrNameLst>
-                                          <p:attrName>style.visibility</p:attrName>
-                                        </p:attrNameLst>
-                                      </p:cBhvr>
-                                      <p:to>
-                                        <p:strVal val="visible"/>
-                                      </p:to>
-                                    </p:set>
-                                  </p:childTnLst>
-                                </p:cTn>
-                              </p:par>
-                            </p:childTnLst>
-                          </p:cTn>
-                        </p:par>
-                      </p:childTnLst>
-                    </p:cTn>
-                  </p:par>
-                  <p:par>
-                    <p:cTn id="11" fill="hold">
-                      <p:stCondLst>
-                        <p:cond delay="indefinite"/>
-                      </p:stCondLst>
-                      <p:childTnLst>
-                        <p:par>
-                          <p:cTn id="12" fill="hold">
-                            <p:stCondLst>
-                              <p:cond delay="0"/>
-                            </p:stCondLst>
-                            <p:childTnLst>
-                              <p:par>
-                                <p:cTn id="13" presetID="1" presetClass="entr" presetSubtype="0" fill="hold" grpId="0" nodeType="clickEffect">
-                                  <p:stCondLst>
-                                    <p:cond delay="0"/>
-                                  </p:stCondLst>
-                                  <p:childTnLst>
-                                    <p:set>
-                                      <p:cBhvr>
-                                        <p:cTn id="14" dur="1" fill="hold">
-                                          <p:stCondLst>
-                                            <p:cond delay="0"/>
-                                          </p:stCondLst>
-                                        </p:cTn>
-                                        <p:tgtEl>
-                                          <p:spTgt spid="3">
-                                            <p:txEl>
-                                              <p:pRg st="2" end="2"/>
-                                            </p:txEl>
-                                          </p:spTgt>
-                                        </p:tgtEl>
-                                        <p:attrNameLst>
-                                          <p:attrName>style.visibility</p:attrName>
-                                        </p:attrNameLst>
-                                      </p:cBhvr>
-                                      <p:to>
-                                        <p:strVal val="visible"/>
-                                      </p:to>
-                                    </p:set>
-                                  </p:childTnLst>
-                                </p:cTn>
-                              </p:par>
-                            </p:childTnLst>
-                          </p:cTn>
-                        </p:par>
-                      </p:childTnLst>
-                    </p:cTn>
-                  </p:par>
-                  <p:par>
-                    <p:cTn id="15" fill="hold">
-                      <p:stCondLst>
-                        <p:cond delay="indefinite"/>
-                      </p:stCondLst>
-                      <p:childTnLst>
-                        <p:par>
-                          <p:cTn id="16" fill="hold">
-                            <p:stCondLst>
-                              <p:cond delay="0"/>
-                            </p:stCondLst>
-                            <p:childTnLst>
-                              <p:par>
-                                <p:cTn id="17" presetID="1" presetClass="entr" presetSubtype="0" fill="hold" grpId="0" nodeType="clickEffect">
-                                  <p:stCondLst>
-                                    <p:cond delay="0"/>
-                                  </p:stCondLst>
-                                  <p:childTnLst>
-                                    <p:set>
-                                      <p:cBhvr>
-                                        <p:cTn id="18" dur="1" fill="hold">
-                                          <p:stCondLst>
-                                            <p:cond delay="0"/>
-                                          </p:stCondLst>
-                                        </p:cTn>
-                                        <p:tgtEl>
-                                          <p:spTgt spid="3">
-                                            <p:txEl>
-                                              <p:pRg st="3" end="3"/>
-                                            </p:txEl>
-                                          </p:spTgt>
-                                        </p:tgtEl>
-                                        <p:attrNameLst>
-                                          <p:attrName>style.visibility</p:attrName>
-                                        </p:attrNameLst>
-                                      </p:cBhvr>
-                                      <p:to>
-                                        <p:strVal val="visible"/>
-                                      </p:to>
-                                    </p:set>
-                                  </p:childTnLst>
-                                </p:cTn>
-                              </p:par>
-                            </p:childTnLst>
-                          </p:cTn>
-                        </p:par>
-                      </p:childTnLst>
-                    </p:cTn>
-                  </p:par>
-                </p:childTnLst>
-              </p:cTn>
-              <p:prevCondLst>
-                <p:cond evt="onPrev" delay="0">
-                  <p:tgtEl>
-                    <p:sldTgt/>
-                  </p:tgtEl>
-                </p:cond>
-              </p:prevCondLst>
-              <p:nextCondLst>
-                <p:cond evt="onNext" delay="0">
-                  <p:tgtEl>
-                    <p:sldTgt/>
-                  </p:tgtEl>
-                </p:cond>
-              </p:nextCondLst>
-            </p:seq>
-          </p:childTnLst>
-        </p:cTn>
-      </p:par>
-    </p:tnLst>
-    <p:bldLst>
-      <p:bldP spid="3" grpId="0" build="p"/>
-    </p:bldLst>
-  </p:timing>
-</p:sld>
-</file>
-
-<file path=ppt/slides/slide3.xml><?xml version="1.0" encoding="utf-8"?>
-<p:sld xmlns:a="http://schemas.openxmlformats.org/drawingml/2006/main" xmlns:r="http://schemas.openxmlformats.org/officeDocument/2006/relationships" xmlns:p="http://schemas.openxmlformats.org/presentationml/2006/main">
-  <p:cSld>
-    <p:spTree>
-      <p:nvGrpSpPr>
-        <p:cNvPr id="1" name=""/>
-        <p:cNvGrpSpPr/>
-        <p:nvPr/>
-      </p:nvGrpSpPr>
-      <p:grpSpPr>
-        <a:xfrm>
-          <a:off x="0" y="0"/>
-          <a:ext cx="0" cy="0"/>
-          <a:chOff x="0" y="0"/>
-          <a:chExt cx="0" cy="0"/>
-        </a:xfrm>
-      </p:grpSpPr>
-      <p:sp>
-        <p:nvSpPr>
-          <p:cNvPr id="2" name="Title 1">
-            <a:extLst>
-              <a:ext uri="{FF2B5EF4-FFF2-40B4-BE49-F238E27FC236}">
-                <a16:creationId xmlns:a16="http://schemas.microsoft.com/office/drawing/2014/main" id="{365ACAF3-CE39-4FE0-9E3C-B8DCF1B45108}"/>
-              </a:ext>
-            </a:extLst>
-          </p:cNvPr>
-          <p:cNvSpPr>
-            <a:spLocks noGrp="1"/>
-          </p:cNvSpPr>
-          <p:nvPr>
-            <p:ph type="title"/>
-          </p:nvPr>
-        </p:nvSpPr>
-        <p:spPr/>
-        <p:txBody>
-          <a:bodyPr/>
-          <a:lstStyle/>
-          <a:p>
-            <a:r>
-              <a:rPr lang="en-US" dirty="0"/>
-              <a:t>Fluids questions</a:t>
-            </a:r>
-          </a:p>
-        </p:txBody>
-      </p:sp>
-      <p:sp>
-        <p:nvSpPr>
-          <p:cNvPr id="3" name="Content Placeholder 2">
-            <a:extLst>
-              <a:ext uri="{FF2B5EF4-FFF2-40B4-BE49-F238E27FC236}">
-                <a16:creationId xmlns:a16="http://schemas.microsoft.com/office/drawing/2014/main" id="{5821BDF8-4A9F-45F8-86D9-E93A2AB1ACBF}"/>
-              </a:ext>
-            </a:extLst>
-          </p:cNvPr>
-          <p:cNvSpPr>
-            <a:spLocks noGrp="1"/>
-          </p:cNvSpPr>
-          <p:nvPr>
-            <p:ph idx="1"/>
-          </p:nvPr>
-        </p:nvSpPr>
-        <p:spPr/>
-        <p:txBody>
-          <a:bodyPr/>
-          <a:lstStyle/>
-          <a:p>
-            <a:r>
-              <a:rPr lang="en-US" dirty="0"/>
-              <a:t>How are turbidity and flow related? </a:t>
-            </a:r>
-          </a:p>
-          <a:p>
-            <a:r>
-              <a:rPr lang="en-US" dirty="0"/>
-              <a:t>Is it external and/or internal?</a:t>
-            </a:r>
-          </a:p>
-          <a:p>
-            <a:r>
-              <a:rPr lang="en-US" dirty="0"/>
-              <a:t>Is low viscosity ideal?</a:t>
-            </a:r>
-          </a:p>
-          <a:p>
-            <a:r>
-              <a:rPr lang="en-US" dirty="0"/>
-              <a:t>I think I'm confused on all the pressures and head losses that are considered when determining the flow through a pipe.</a:t>
-            </a:r>
-          </a:p>
-          <a:p>
-            <a:endParaRPr lang="en-US" dirty="0"/>
-          </a:p>
-        </p:txBody>
-      </p:sp>
-    </p:spTree>
-    <p:extLst>
-      <p:ext uri="{BB962C8B-B14F-4D97-AF65-F5344CB8AC3E}">
-        <p14:creationId xmlns:p14="http://schemas.microsoft.com/office/powerpoint/2010/main" val="2821267295"/>
-      </p:ext>
-    </p:extLst>
-  </p:cSld>
-  <p:clrMapOvr>
-    <a:masterClrMapping/>
-  </p:clrMapOvr>
-  <p:transition>
-    <p:fade/>
-  </p:transition>
-  <p:timing>
-    <p:tnLst>
-      <p:par>
-        <p:cTn id="1" dur="indefinite" restart="never" nodeType="tmRoot">
-          <p:childTnLst>
-            <p:seq concurrent="1" nextAc="seek">
-              <p:cTn id="2" dur="indefinite" nodeType="mainSeq">
-                <p:childTnLst>
-                  <p:par>
-                    <p:cTn id="3" fill="hold">
-                      <p:stCondLst>
-                        <p:cond delay="indefinite"/>
-                      </p:stCondLst>
-                      <p:childTnLst>
-                        <p:par>
-                          <p:cTn id="4" fill="hold">
-                            <p:stCondLst>
-                              <p:cond delay="0"/>
-                            </p:stCondLst>
-                            <p:childTnLst>
-                              <p:par>
-                                <p:cTn id="5" presetID="1" presetClass="entr" presetSubtype="0" fill="hold" grpId="0" nodeType="clickEffect">
-                                  <p:stCondLst>
-                                    <p:cond delay="0"/>
-                                  </p:stCondLst>
-                                  <p:childTnLst>
-                                    <p:set>
-                                      <p:cBhvr>
-                                        <p:cTn id="6" dur="1" fill="hold">
-                                          <p:stCondLst>
-                                            <p:cond delay="0"/>
-                                          </p:stCondLst>
-                                        </p:cTn>
-                                        <p:tgtEl>
-                                          <p:spTgt spid="3">
-                                            <p:txEl>
-                                              <p:pRg st="0" end="0"/>
-                                            </p:txEl>
-                                          </p:spTgt>
-                                        </p:tgtEl>
-                                        <p:attrNameLst>
-                                          <p:attrName>style.visibility</p:attrName>
-                                        </p:attrNameLst>
-                                      </p:cBhvr>
-                                      <p:to>
-                                        <p:strVal val="visible"/>
-                                      </p:to>
-                                    </p:set>
-                                  </p:childTnLst>
-                                </p:cTn>
-                              </p:par>
-                            </p:childTnLst>
-                          </p:cTn>
-                        </p:par>
-                      </p:childTnLst>
-                    </p:cTn>
-                  </p:par>
-                  <p:par>
-                    <p:cTn id="7" fill="hold">
-                      <p:stCondLst>
-                        <p:cond delay="indefinite"/>
-                      </p:stCondLst>
-                      <p:childTnLst>
-                        <p:par>
-                          <p:cTn id="8" fill="hold">
-                            <p:stCondLst>
-                              <p:cond delay="0"/>
-                            </p:stCondLst>
-                            <p:childTnLst>
-                              <p:par>
-                                <p:cTn id="9" presetID="1" presetClass="entr" presetSubtype="0" fill="hold" grpId="0" nodeType="clickEffect">
-                                  <p:stCondLst>
-                                    <p:cond delay="0"/>
-                                  </p:stCondLst>
-                                  <p:childTnLst>
-                                    <p:set>
-                                      <p:cBhvr>
-                                        <p:cTn id="10" dur="1" fill="hold">
-                                          <p:stCondLst>
-                                            <p:cond delay="0"/>
-                                          </p:stCondLst>
-                                        </p:cTn>
-                                        <p:tgtEl>
-                                          <p:spTgt spid="3">
-                                            <p:txEl>
-                                              <p:pRg st="1" end="1"/>
-                                            </p:txEl>
-                                          </p:spTgt>
-                                        </p:tgtEl>
-                                        <p:attrNameLst>
-                                          <p:attrName>style.visibility</p:attrName>
-                                        </p:attrNameLst>
-                                      </p:cBhvr>
-                                      <p:to>
-                                        <p:strVal val="visible"/>
-                                      </p:to>
-                                    </p:set>
-                                  </p:childTnLst>
-                                </p:cTn>
-                              </p:par>
-                            </p:childTnLst>
-                          </p:cTn>
-                        </p:par>
-                      </p:childTnLst>
-                    </p:cTn>
-                  </p:par>
-                  <p:par>
-                    <p:cTn id="11" fill="hold">
-                      <p:stCondLst>
-                        <p:cond delay="indefinite"/>
-                      </p:stCondLst>
-                      <p:childTnLst>
-                        <p:par>
-                          <p:cTn id="12" fill="hold">
-                            <p:stCondLst>
-                              <p:cond delay="0"/>
-                            </p:stCondLst>
-                            <p:childTnLst>
-                              <p:par>
-                                <p:cTn id="13" presetID="1" presetClass="entr" presetSubtype="0" fill="hold" grpId="0" nodeType="clickEffect">
-                                  <p:stCondLst>
-                                    <p:cond delay="0"/>
-                                  </p:stCondLst>
-                                  <p:childTnLst>
-                                    <p:set>
-                                      <p:cBhvr>
-                                        <p:cTn id="14" dur="1" fill="hold">
-                                          <p:stCondLst>
-                                            <p:cond delay="0"/>
-                                          </p:stCondLst>
-                                        </p:cTn>
-                                        <p:tgtEl>
-                                          <p:spTgt spid="3">
-                                            <p:txEl>
-                                              <p:pRg st="2" end="2"/>
-                                            </p:txEl>
-                                          </p:spTgt>
-                                        </p:tgtEl>
-                                        <p:attrNameLst>
-                                          <p:attrName>style.visibility</p:attrName>
-                                        </p:attrNameLst>
-                                      </p:cBhvr>
-                                      <p:to>
-                                        <p:strVal val="visible"/>
-                                      </p:to>
-                                    </p:set>
-                                  </p:childTnLst>
-                                </p:cTn>
-                              </p:par>
-                            </p:childTnLst>
-                          </p:cTn>
-                        </p:par>
-                      </p:childTnLst>
-                    </p:cTn>
-                  </p:par>
-                  <p:par>
-                    <p:cTn id="15" fill="hold">
-                      <p:stCondLst>
-                        <p:cond delay="indefinite"/>
-                      </p:stCondLst>
-                      <p:childTnLst>
-                        <p:par>
-                          <p:cTn id="16" fill="hold">
-                            <p:stCondLst>
-                              <p:cond delay="0"/>
-                            </p:stCondLst>
-                            <p:childTnLst>
-                              <p:par>
-                                <p:cTn id="17" presetID="1" presetClass="entr" presetSubtype="0" fill="hold" grpId="0" nodeType="clickEffect">
-                                  <p:stCondLst>
-                                    <p:cond delay="0"/>
-                                  </p:stCondLst>
-                                  <p:childTnLst>
-                                    <p:set>
-                                      <p:cBhvr>
-                                        <p:cTn id="18" dur="1" fill="hold">
-                                          <p:stCondLst>
-                                            <p:cond delay="0"/>
-                                          </p:stCondLst>
-                                        </p:cTn>
-                                        <p:tgtEl>
-                                          <p:spTgt spid="3">
-                                            <p:txEl>
-                                              <p:pRg st="3" end="3"/>
-                                            </p:txEl>
-                                          </p:spTgt>
-                                        </p:tgtEl>
-                                        <p:attrNameLst>
-                                          <p:attrName>style.visibility</p:attrName>
-                                        </p:attrNameLst>
-                                      </p:cBhvr>
-                                      <p:to>
-                                        <p:strVal val="visible"/>
-                                      </p:to>
-                                    </p:set>
-                                  </p:childTnLst>
-                                </p:cTn>
-                              </p:par>
-                            </p:childTnLst>
-                          </p:cTn>
-                        </p:par>
-                      </p:childTnLst>
-                    </p:cTn>
-                  </p:par>
-                </p:childTnLst>
-              </p:cTn>
-              <p:prevCondLst>
-                <p:cond evt="onPrev" delay="0">
-                  <p:tgtEl>
-                    <p:sldTgt/>
-                  </p:tgtEl>
-                </p:cond>
-              </p:prevCondLst>
-              <p:nextCondLst>
-                <p:cond evt="onNext" delay="0">
-                  <p:tgtEl>
-                    <p:sldTgt/>
-                  </p:tgtEl>
-                </p:cond>
-              </p:nextCondLst>
-            </p:seq>
-          </p:childTnLst>
-        </p:cTn>
-      </p:par>
-    </p:tnLst>
-    <p:bldLst>
-      <p:bldP spid="3" grpId="0" build="p"/>
-    </p:bldLst>
-  </p:timing>
-</p:sld>
-</file>
-
-<file path=ppt/slides/slide4.xml><?xml version="1.0" encoding="utf-8"?>
 <p:sld xmlns:a="http://schemas.openxmlformats.org/drawingml/2006/main" xmlns:r="http://schemas.openxmlformats.org/officeDocument/2006/relationships" xmlns:p="http://schemas.openxmlformats.org/presentationml/2006/main">
   <p:cSld>
     <p:spTree>
@@ -6102,7 +5027,7 @@
 </p:sld>
 </file>
 
-<file path=ppt/slides/slide5.xml><?xml version="1.0" encoding="utf-8"?>
+<file path=ppt/slides/slide2.xml><?xml version="1.0" encoding="utf-8"?>
 <p:sld xmlns:a="http://schemas.openxmlformats.org/drawingml/2006/main" xmlns:r="http://schemas.openxmlformats.org/officeDocument/2006/relationships" xmlns:p="http://schemas.openxmlformats.org/presentationml/2006/main">
   <p:cSld>
     <p:spTree>
@@ -47140,7 +46065,7 @@
 </p:sld>
 </file>
 
-<file path=ppt/slides/slide6.xml><?xml version="1.0" encoding="utf-8"?>
+<file path=ppt/slides/slide3.xml><?xml version="1.0" encoding="utf-8"?>
 <p:sld xmlns:a="http://schemas.openxmlformats.org/drawingml/2006/main" xmlns:r="http://schemas.openxmlformats.org/officeDocument/2006/relationships" xmlns:p="http://schemas.openxmlformats.org/presentationml/2006/main">
   <p:cSld>
     <p:spTree>
@@ -47455,7 +46380,7 @@
 </p:sld>
 </file>
 
-<file path=ppt/slides/slide7.xml><?xml version="1.0" encoding="utf-8"?>
+<file path=ppt/slides/slide4.xml><?xml version="1.0" encoding="utf-8"?>
 <p:sld xmlns:a="http://schemas.openxmlformats.org/drawingml/2006/main" xmlns:r="http://schemas.openxmlformats.org/officeDocument/2006/relationships" xmlns:p="http://schemas.openxmlformats.org/presentationml/2006/main">
   <p:cSld>
     <p:spTree>
@@ -48210,7 +47135,7 @@
 </p:sld>
 </file>
 
-<file path=ppt/slides/slide8.xml><?xml version="1.0" encoding="utf-8"?>
+<file path=ppt/slides/slide5.xml><?xml version="1.0" encoding="utf-8"?>
 <p:sld xmlns:a="http://schemas.openxmlformats.org/drawingml/2006/main" xmlns:r="http://schemas.openxmlformats.org/officeDocument/2006/relationships" xmlns:p="http://schemas.openxmlformats.org/presentationml/2006/main">
   <p:cSld>
     <p:spTree>
@@ -48379,7 +47304,7 @@
 </p:sld>
 </file>
 
-<file path=ppt/slides/slide9.xml><?xml version="1.0" encoding="utf-8"?>
+<file path=ppt/slides/slide6.xml><?xml version="1.0" encoding="utf-8"?>
 <p:sld xmlns:a="http://schemas.openxmlformats.org/drawingml/2006/main" xmlns:r="http://schemas.openxmlformats.org/officeDocument/2006/relationships" xmlns:p="http://schemas.openxmlformats.org/presentationml/2006/main">
   <p:cSld>
     <p:spTree>
